--- a/excel VBAマクロ.pptx
+++ b/excel VBAマクロ.pptx
@@ -1,20 +1,20 @@
 
 <file path=ppt/presentation.xml><?xml version="1.0" encoding="utf-8"?>
-<p:presentation xmlns:a="http://schemas.openxmlformats.org/drawingml/2006/main" xmlns:r="http://schemas.openxmlformats.org/officeDocument/2006/relationships" xmlns:p="http://schemas.openxmlformats.org/presentationml/2006/main" saveSubsetFonts="1">
+<p:presentation xmlns:a="http://schemas.openxmlformats.org/drawingml/2006/main" xmlns:r="http://schemas.openxmlformats.org/officeDocument/2006/relationships" xmlns:p="http://schemas.openxmlformats.org/presentationml/2006/main">
   <p:sldMasterIdLst>
     <p:sldMasterId id="2147483648" r:id="rId1"/>
   </p:sldMasterIdLst>
   <p:sldIdLst>
-    <p:sldId id="256" r:id="rId2"/>
-    <p:sldId id="257" r:id="rId3"/>
-    <p:sldId id="258" r:id="rId4"/>
-    <p:sldId id="259" r:id="rId5"/>
-    <p:sldId id="260" r:id="rId6"/>
-    <p:sldId id="265" r:id="rId7"/>
-    <p:sldId id="261" r:id="rId8"/>
-    <p:sldId id="262" r:id="rId9"/>
-    <p:sldId id="263" r:id="rId10"/>
-    <p:sldId id="264" r:id="rId11"/>
+    <p:sldId id="256" r:id="rId3"/>
+    <p:sldId id="257" r:id="rId4"/>
+    <p:sldId id="258" r:id="rId5"/>
+    <p:sldId id="259" r:id="rId6"/>
+    <p:sldId id="260" r:id="rId7"/>
+    <p:sldId id="265" r:id="rId8"/>
+    <p:sldId id="261" r:id="rId9"/>
+    <p:sldId id="262" r:id="rId10"/>
+    <p:sldId id="263" r:id="rId11"/>
+    <p:sldId id="264" r:id="rId12"/>
   </p:sldIdLst>
   <p:sldSz cx="12192000" cy="6858000"/>
   <p:notesSz cx="6858000" cy="9144000"/>
@@ -116,539 +116,6 @@
 </p:presentation>
 </file>
 
-<file path=ppt/revisionInfo.xml><?xml version="1.0" encoding="utf-8"?>
-<p1510:revInfo xmlns:a="http://schemas.openxmlformats.org/drawingml/2006/main" xmlns:r="http://schemas.openxmlformats.org/officeDocument/2006/relationships" xmlns:p1510="http://schemas.microsoft.com/office/powerpoint/2015/10/main">
-  <p1510:revLst>
-    <p1510:client id="{5D34429C-94E9-47AD-980A-CA5D5A1AE392}" v="19" dt="2023-03-10T02:53:36.186"/>
-  </p1510:revLst>
-</p1510:revInfo>
-</file>
-
-<file path=ppt/changesInfos/changesInfo1.xml><?xml version="1.0" encoding="utf-8"?>
-<pc:chgInfo xmlns:a="http://schemas.openxmlformats.org/drawingml/2006/main" xmlns:r="http://schemas.openxmlformats.org/officeDocument/2006/relationships" xmlns:ac="http://schemas.microsoft.com/office/drawing/2013/main/command" xmlns:pc="http://schemas.microsoft.com/office/powerpoint/2013/main/command">
-  <pc:docChgLst>
-    <pc:chgData name="LIU, ZHEN" userId="83aeb4cc-2473-4d50-aec4-93f00cbe151b" providerId="ADAL" clId="{5D34429C-94E9-47AD-980A-CA5D5A1AE392}"/>
-    <pc:docChg chg="undo custSel addSld modSld">
-      <pc:chgData name="LIU, ZHEN" userId="83aeb4cc-2473-4d50-aec4-93f00cbe151b" providerId="ADAL" clId="{5D34429C-94E9-47AD-980A-CA5D5A1AE392}" dt="2023-03-10T02:58:10.618" v="1177" actId="27636"/>
-      <pc:docMkLst>
-        <pc:docMk/>
-      </pc:docMkLst>
-      <pc:sldChg chg="addSp delSp modSp mod setBg">
-        <pc:chgData name="LIU, ZHEN" userId="83aeb4cc-2473-4d50-aec4-93f00cbe151b" providerId="ADAL" clId="{5D34429C-94E9-47AD-980A-CA5D5A1AE392}" dt="2023-03-10T02:38:24.430" v="80" actId="1076"/>
-        <pc:sldMkLst>
-          <pc:docMk/>
-          <pc:sldMk cId="1293958736" sldId="257"/>
-        </pc:sldMkLst>
-        <pc:spChg chg="mod ord">
-          <ac:chgData name="LIU, ZHEN" userId="83aeb4cc-2473-4d50-aec4-93f00cbe151b" providerId="ADAL" clId="{5D34429C-94E9-47AD-980A-CA5D5A1AE392}" dt="2023-03-10T02:37:04.068" v="25" actId="26606"/>
-          <ac:spMkLst>
-            <pc:docMk/>
-            <pc:sldMk cId="1293958736" sldId="257"/>
-            <ac:spMk id="2" creationId="{5FACD546-C216-41C9-88D8-CA65F5809040}"/>
-          </ac:spMkLst>
-        </pc:spChg>
-        <pc:spChg chg="del">
-          <ac:chgData name="LIU, ZHEN" userId="83aeb4cc-2473-4d50-aec4-93f00cbe151b" providerId="ADAL" clId="{5D34429C-94E9-47AD-980A-CA5D5A1AE392}" dt="2023-03-10T02:36:35.484" v="18" actId="478"/>
-          <ac:spMkLst>
-            <pc:docMk/>
-            <pc:sldMk cId="1293958736" sldId="257"/>
-            <ac:spMk id="3" creationId="{014F3E8D-3032-4088-BE0D-2C2920EB7FC2}"/>
-          </ac:spMkLst>
-        </pc:spChg>
-        <pc:spChg chg="add mod">
-          <ac:chgData name="LIU, ZHEN" userId="83aeb4cc-2473-4d50-aec4-93f00cbe151b" providerId="ADAL" clId="{5D34429C-94E9-47AD-980A-CA5D5A1AE392}" dt="2023-03-10T02:37:50.461" v="33" actId="14100"/>
-          <ac:spMkLst>
-            <pc:docMk/>
-            <pc:sldMk cId="1293958736" sldId="257"/>
-            <ac:spMk id="8" creationId="{CDBF0989-D0FF-4E81-94FE-6F660866795E}"/>
-          </ac:spMkLst>
-        </pc:spChg>
-        <pc:spChg chg="add mod">
-          <ac:chgData name="LIU, ZHEN" userId="83aeb4cc-2473-4d50-aec4-93f00cbe151b" providerId="ADAL" clId="{5D34429C-94E9-47AD-980A-CA5D5A1AE392}" dt="2023-03-10T02:38:24.430" v="80" actId="1076"/>
-          <ac:spMkLst>
-            <pc:docMk/>
-            <pc:sldMk cId="1293958736" sldId="257"/>
-            <ac:spMk id="9" creationId="{62062489-82F8-45E4-B377-58FD4F6E2BC3}"/>
-          </ac:spMkLst>
-        </pc:spChg>
-        <pc:spChg chg="add mod">
-          <ac:chgData name="LIU, ZHEN" userId="83aeb4cc-2473-4d50-aec4-93f00cbe151b" providerId="ADAL" clId="{5D34429C-94E9-47AD-980A-CA5D5A1AE392}" dt="2023-03-10T02:37:55.549" v="35" actId="1076"/>
-          <ac:spMkLst>
-            <pc:docMk/>
-            <pc:sldMk cId="1293958736" sldId="257"/>
-            <ac:spMk id="10" creationId="{CE84EC4F-97A4-4A32-9CFA-301AA80C13A3}"/>
-          </ac:spMkLst>
-        </pc:spChg>
-        <pc:spChg chg="add">
-          <ac:chgData name="LIU, ZHEN" userId="83aeb4cc-2473-4d50-aec4-93f00cbe151b" providerId="ADAL" clId="{5D34429C-94E9-47AD-980A-CA5D5A1AE392}" dt="2023-03-10T02:37:04.068" v="25" actId="26606"/>
-          <ac:spMkLst>
-            <pc:docMk/>
-            <pc:sldMk cId="1293958736" sldId="257"/>
-            <ac:spMk id="12" creationId="{53F29798-D584-4792-9B62-3F5F5C36D619}"/>
-          </ac:spMkLst>
-        </pc:spChg>
-        <pc:picChg chg="add mod ord">
-          <ac:chgData name="LIU, ZHEN" userId="83aeb4cc-2473-4d50-aec4-93f00cbe151b" providerId="ADAL" clId="{5D34429C-94E9-47AD-980A-CA5D5A1AE392}" dt="2023-03-10T02:37:08.097" v="26" actId="1076"/>
-          <ac:picMkLst>
-            <pc:docMk/>
-            <pc:sldMk cId="1293958736" sldId="257"/>
-            <ac:picMk id="5" creationId="{B1A4BEA9-53C8-4A0A-8C2D-F0E451358BDA}"/>
-          </ac:picMkLst>
-        </pc:picChg>
-        <pc:picChg chg="add mod">
-          <ac:chgData name="LIU, ZHEN" userId="83aeb4cc-2473-4d50-aec4-93f00cbe151b" providerId="ADAL" clId="{5D34429C-94E9-47AD-980A-CA5D5A1AE392}" dt="2023-03-10T02:37:04.068" v="25" actId="26606"/>
-          <ac:picMkLst>
-            <pc:docMk/>
-            <pc:sldMk cId="1293958736" sldId="257"/>
-            <ac:picMk id="7" creationId="{6CA3FF69-0BD4-4824-82E0-EB0E14D9BEE6}"/>
-          </ac:picMkLst>
-        </pc:picChg>
-      </pc:sldChg>
-      <pc:sldChg chg="addSp delSp modSp new mod setBg">
-        <pc:chgData name="LIU, ZHEN" userId="83aeb4cc-2473-4d50-aec4-93f00cbe151b" providerId="ADAL" clId="{5D34429C-94E9-47AD-980A-CA5D5A1AE392}" dt="2023-03-10T02:40:06.475" v="160" actId="14100"/>
-        <pc:sldMkLst>
-          <pc:docMk/>
-          <pc:sldMk cId="3540601475" sldId="258"/>
-        </pc:sldMkLst>
-        <pc:spChg chg="add del mod">
-          <ac:chgData name="LIU, ZHEN" userId="83aeb4cc-2473-4d50-aec4-93f00cbe151b" providerId="ADAL" clId="{5D34429C-94E9-47AD-980A-CA5D5A1AE392}" dt="2023-03-10T02:39:29.381" v="95" actId="1076"/>
-          <ac:spMkLst>
-            <pc:docMk/>
-            <pc:sldMk cId="3540601475" sldId="258"/>
-            <ac:spMk id="2" creationId="{BDB3FBA0-6FF7-46F5-B744-AF9246DF6A71}"/>
-          </ac:spMkLst>
-        </pc:spChg>
-        <pc:spChg chg="del mod">
-          <ac:chgData name="LIU, ZHEN" userId="83aeb4cc-2473-4d50-aec4-93f00cbe151b" providerId="ADAL" clId="{5D34429C-94E9-47AD-980A-CA5D5A1AE392}" dt="2023-03-10T02:38:50.255" v="83" actId="22"/>
-          <ac:spMkLst>
-            <pc:docMk/>
-            <pc:sldMk cId="3540601475" sldId="258"/>
-            <ac:spMk id="3" creationId="{97E1FAD2-2E09-4445-9F0A-BACAFF97D001}"/>
-          </ac:spMkLst>
-        </pc:spChg>
-        <pc:spChg chg="add mod">
-          <ac:chgData name="LIU, ZHEN" userId="83aeb4cc-2473-4d50-aec4-93f00cbe151b" providerId="ADAL" clId="{5D34429C-94E9-47AD-980A-CA5D5A1AE392}" dt="2023-03-10T02:39:20.781" v="92" actId="14100"/>
-          <ac:spMkLst>
-            <pc:docMk/>
-            <pc:sldMk cId="3540601475" sldId="258"/>
-            <ac:spMk id="8" creationId="{A15964CB-9326-4F42-A140-08DC081C41A6}"/>
-          </ac:spMkLst>
-        </pc:spChg>
-        <pc:spChg chg="add mod">
-          <ac:chgData name="LIU, ZHEN" userId="83aeb4cc-2473-4d50-aec4-93f00cbe151b" providerId="ADAL" clId="{5D34429C-94E9-47AD-980A-CA5D5A1AE392}" dt="2023-03-10T02:39:24.931" v="94" actId="1076"/>
-          <ac:spMkLst>
-            <pc:docMk/>
-            <pc:sldMk cId="3540601475" sldId="258"/>
-            <ac:spMk id="9" creationId="{25E4311A-4D69-43C2-8DE7-447A2558A8AA}"/>
-          </ac:spMkLst>
-        </pc:spChg>
-        <pc:spChg chg="add del">
-          <ac:chgData name="LIU, ZHEN" userId="83aeb4cc-2473-4d50-aec4-93f00cbe151b" providerId="ADAL" clId="{5D34429C-94E9-47AD-980A-CA5D5A1AE392}" dt="2023-03-10T02:38:56.054" v="86" actId="26606"/>
-          <ac:spMkLst>
-            <pc:docMk/>
-            <pc:sldMk cId="3540601475" sldId="258"/>
-            <ac:spMk id="10" creationId="{32BC26D8-82FB-445E-AA49-62A77D7C1EE0}"/>
-          </ac:spMkLst>
-        </pc:spChg>
-        <pc:spChg chg="add del mod">
-          <ac:chgData name="LIU, ZHEN" userId="83aeb4cc-2473-4d50-aec4-93f00cbe151b" providerId="ADAL" clId="{5D34429C-94E9-47AD-980A-CA5D5A1AE392}" dt="2023-03-10T02:39:35.943" v="97" actId="21"/>
-          <ac:spMkLst>
-            <pc:docMk/>
-            <pc:sldMk cId="3540601475" sldId="258"/>
-            <ac:spMk id="11" creationId="{253CC5D7-3D49-430A-B74B-EBF2F3CFE36D}"/>
-          </ac:spMkLst>
-        </pc:spChg>
-        <pc:spChg chg="add del">
-          <ac:chgData name="LIU, ZHEN" userId="83aeb4cc-2473-4d50-aec4-93f00cbe151b" providerId="ADAL" clId="{5D34429C-94E9-47AD-980A-CA5D5A1AE392}" dt="2023-03-10T02:38:56.054" v="86" actId="26606"/>
-          <ac:spMkLst>
-            <pc:docMk/>
-            <pc:sldMk cId="3540601475" sldId="258"/>
-            <ac:spMk id="12" creationId="{CB44330D-EA18-4254-AA95-EB49948539B8}"/>
-          </ac:spMkLst>
-        </pc:spChg>
-        <pc:spChg chg="add mod">
-          <ac:chgData name="LIU, ZHEN" userId="83aeb4cc-2473-4d50-aec4-93f00cbe151b" providerId="ADAL" clId="{5D34429C-94E9-47AD-980A-CA5D5A1AE392}" dt="2023-03-10T02:40:06.475" v="160" actId="14100"/>
-          <ac:spMkLst>
-            <pc:docMk/>
-            <pc:sldMk cId="3540601475" sldId="258"/>
-            <ac:spMk id="13" creationId="{32472F53-C7ED-4DCE-B193-701CA2780A00}"/>
-          </ac:spMkLst>
-        </pc:spChg>
-        <pc:picChg chg="add mod ord">
-          <ac:chgData name="LIU, ZHEN" userId="83aeb4cc-2473-4d50-aec4-93f00cbe151b" providerId="ADAL" clId="{5D34429C-94E9-47AD-980A-CA5D5A1AE392}" dt="2023-03-10T02:39:09.301" v="89" actId="1076"/>
-          <ac:picMkLst>
-            <pc:docMk/>
-            <pc:sldMk cId="3540601475" sldId="258"/>
-            <ac:picMk id="5" creationId="{89C02054-425D-4DA7-BBC7-5AB5759E0A65}"/>
-          </ac:picMkLst>
-        </pc:picChg>
-      </pc:sldChg>
-      <pc:sldChg chg="addSp delSp modSp new mod setBg">
-        <pc:chgData name="LIU, ZHEN" userId="83aeb4cc-2473-4d50-aec4-93f00cbe151b" providerId="ADAL" clId="{5D34429C-94E9-47AD-980A-CA5D5A1AE392}" dt="2023-03-10T02:42:39.376" v="234" actId="14100"/>
-        <pc:sldMkLst>
-          <pc:docMk/>
-          <pc:sldMk cId="1956646578" sldId="259"/>
-        </pc:sldMkLst>
-        <pc:spChg chg="mod">
-          <ac:chgData name="LIU, ZHEN" userId="83aeb4cc-2473-4d50-aec4-93f00cbe151b" providerId="ADAL" clId="{5D34429C-94E9-47AD-980A-CA5D5A1AE392}" dt="2023-03-10T02:40:33.830" v="166" actId="26606"/>
-          <ac:spMkLst>
-            <pc:docMk/>
-            <pc:sldMk cId="1956646578" sldId="259"/>
-            <ac:spMk id="2" creationId="{3AE3A651-D09E-4E60-BE91-37CA9FDFDBF6}"/>
-          </ac:spMkLst>
-        </pc:spChg>
-        <pc:spChg chg="del">
-          <ac:chgData name="LIU, ZHEN" userId="83aeb4cc-2473-4d50-aec4-93f00cbe151b" providerId="ADAL" clId="{5D34429C-94E9-47AD-980A-CA5D5A1AE392}" dt="2023-03-10T02:40:16.561" v="163" actId="478"/>
-          <ac:spMkLst>
-            <pc:docMk/>
-            <pc:sldMk cId="1956646578" sldId="259"/>
-            <ac:spMk id="3" creationId="{D1321189-FC35-4DA4-BBF4-DD33D8B2BF2D}"/>
-          </ac:spMkLst>
-        </pc:spChg>
-        <pc:spChg chg="add mod">
-          <ac:chgData name="LIU, ZHEN" userId="83aeb4cc-2473-4d50-aec4-93f00cbe151b" providerId="ADAL" clId="{5D34429C-94E9-47AD-980A-CA5D5A1AE392}" dt="2023-03-10T02:40:46.582" v="170" actId="1076"/>
-          <ac:spMkLst>
-            <pc:docMk/>
-            <pc:sldMk cId="1956646578" sldId="259"/>
-            <ac:spMk id="7" creationId="{8671FC12-4C9A-4546-A325-1C7EC97CA942}"/>
-          </ac:spMkLst>
-        </pc:spChg>
-        <pc:spChg chg="add del mod">
-          <ac:chgData name="LIU, ZHEN" userId="83aeb4cc-2473-4d50-aec4-93f00cbe151b" providerId="ADAL" clId="{5D34429C-94E9-47AD-980A-CA5D5A1AE392}" dt="2023-03-10T02:42:27.576" v="230" actId="20577"/>
-          <ac:spMkLst>
-            <pc:docMk/>
-            <pc:sldMk cId="1956646578" sldId="259"/>
-            <ac:spMk id="8" creationId="{220C912A-832C-4FC5-8F5D-A4B39D6D6E49}"/>
-          </ac:spMkLst>
-        </pc:spChg>
-        <pc:spChg chg="add mod">
-          <ac:chgData name="LIU, ZHEN" userId="83aeb4cc-2473-4d50-aec4-93f00cbe151b" providerId="ADAL" clId="{5D34429C-94E9-47AD-980A-CA5D5A1AE392}" dt="2023-03-10T02:42:39.376" v="234" actId="14100"/>
-          <ac:spMkLst>
-            <pc:docMk/>
-            <pc:sldMk cId="1956646578" sldId="259"/>
-            <ac:spMk id="9" creationId="{85C941FC-84DD-4009-A60E-BAB874C27273}"/>
-          </ac:spMkLst>
-        </pc:spChg>
-        <pc:spChg chg="add">
-          <ac:chgData name="LIU, ZHEN" userId="83aeb4cc-2473-4d50-aec4-93f00cbe151b" providerId="ADAL" clId="{5D34429C-94E9-47AD-980A-CA5D5A1AE392}" dt="2023-03-10T02:40:33.830" v="166" actId="26606"/>
-          <ac:spMkLst>
-            <pc:docMk/>
-            <pc:sldMk cId="1956646578" sldId="259"/>
-            <ac:spMk id="10" creationId="{53F29798-D584-4792-9B62-3F5F5C36D619}"/>
-          </ac:spMkLst>
-        </pc:spChg>
-        <pc:picChg chg="add mod">
-          <ac:chgData name="LIU, ZHEN" userId="83aeb4cc-2473-4d50-aec4-93f00cbe151b" providerId="ADAL" clId="{5D34429C-94E9-47AD-980A-CA5D5A1AE392}" dt="2023-03-10T02:40:33.830" v="166" actId="26606"/>
-          <ac:picMkLst>
-            <pc:docMk/>
-            <pc:sldMk cId="1956646578" sldId="259"/>
-            <ac:picMk id="5" creationId="{BAB6FFED-A15C-4E76-840D-8A7724EC5FCB}"/>
-          </ac:picMkLst>
-        </pc:picChg>
-      </pc:sldChg>
-      <pc:sldChg chg="modSp new mod">
-        <pc:chgData name="LIU, ZHEN" userId="83aeb4cc-2473-4d50-aec4-93f00cbe151b" providerId="ADAL" clId="{5D34429C-94E9-47AD-980A-CA5D5A1AE392}" dt="2023-03-10T02:44:31.045" v="421" actId="20577"/>
-        <pc:sldMkLst>
-          <pc:docMk/>
-          <pc:sldMk cId="476808250" sldId="260"/>
-        </pc:sldMkLst>
-        <pc:spChg chg="mod">
-          <ac:chgData name="LIU, ZHEN" userId="83aeb4cc-2473-4d50-aec4-93f00cbe151b" providerId="ADAL" clId="{5D34429C-94E9-47AD-980A-CA5D5A1AE392}" dt="2023-03-10T02:42:46.082" v="243" actId="20577"/>
-          <ac:spMkLst>
-            <pc:docMk/>
-            <pc:sldMk cId="476808250" sldId="260"/>
-            <ac:spMk id="2" creationId="{BE0FD59F-102D-4494-BFFE-9B6A013878C7}"/>
-          </ac:spMkLst>
-        </pc:spChg>
-        <pc:spChg chg="mod">
-          <ac:chgData name="LIU, ZHEN" userId="83aeb4cc-2473-4d50-aec4-93f00cbe151b" providerId="ADAL" clId="{5D34429C-94E9-47AD-980A-CA5D5A1AE392}" dt="2023-03-10T02:44:31.045" v="421" actId="20577"/>
-          <ac:spMkLst>
-            <pc:docMk/>
-            <pc:sldMk cId="476808250" sldId="260"/>
-            <ac:spMk id="3" creationId="{2F1614E6-095F-4F14-A775-BFABBC6B2778}"/>
-          </ac:spMkLst>
-        </pc:spChg>
-      </pc:sldChg>
-      <pc:sldChg chg="addSp delSp modSp new mod">
-        <pc:chgData name="LIU, ZHEN" userId="83aeb4cc-2473-4d50-aec4-93f00cbe151b" providerId="ADAL" clId="{5D34429C-94E9-47AD-980A-CA5D5A1AE392}" dt="2023-03-10T02:46:04.741" v="511" actId="20577"/>
-        <pc:sldMkLst>
-          <pc:docMk/>
-          <pc:sldMk cId="1450099695" sldId="261"/>
-        </pc:sldMkLst>
-        <pc:spChg chg="mod">
-          <ac:chgData name="LIU, ZHEN" userId="83aeb4cc-2473-4d50-aec4-93f00cbe151b" providerId="ADAL" clId="{5D34429C-94E9-47AD-980A-CA5D5A1AE392}" dt="2023-03-10T02:45:27.325" v="440" actId="20577"/>
-          <ac:spMkLst>
-            <pc:docMk/>
-            <pc:sldMk cId="1450099695" sldId="261"/>
-            <ac:spMk id="2" creationId="{4FFA956C-B45A-4D1A-A1FA-51AB0C001431}"/>
-          </ac:spMkLst>
-        </pc:spChg>
-        <pc:spChg chg="del">
-          <ac:chgData name="LIU, ZHEN" userId="83aeb4cc-2473-4d50-aec4-93f00cbe151b" providerId="ADAL" clId="{5D34429C-94E9-47AD-980A-CA5D5A1AE392}" dt="2023-03-10T02:45:19.527" v="423" actId="478"/>
-          <ac:spMkLst>
-            <pc:docMk/>
-            <pc:sldMk cId="1450099695" sldId="261"/>
-            <ac:spMk id="3" creationId="{A8A95F38-C1F1-47B5-801F-42AE2EF9F07D}"/>
-          </ac:spMkLst>
-        </pc:spChg>
-        <pc:spChg chg="add mod">
-          <ac:chgData name="LIU, ZHEN" userId="83aeb4cc-2473-4d50-aec4-93f00cbe151b" providerId="ADAL" clId="{5D34429C-94E9-47AD-980A-CA5D5A1AE392}" dt="2023-03-10T02:46:04.741" v="511" actId="20577"/>
-          <ac:spMkLst>
-            <pc:docMk/>
-            <pc:sldMk cId="1450099695" sldId="261"/>
-            <ac:spMk id="6" creationId="{ED8CEE93-5060-4155-B641-442B6EFC44F2}"/>
-          </ac:spMkLst>
-        </pc:spChg>
-        <pc:picChg chg="add mod">
-          <ac:chgData name="LIU, ZHEN" userId="83aeb4cc-2473-4d50-aec4-93f00cbe151b" providerId="ADAL" clId="{5D34429C-94E9-47AD-980A-CA5D5A1AE392}" dt="2023-03-10T02:45:21.514" v="425" actId="1076"/>
-          <ac:picMkLst>
-            <pc:docMk/>
-            <pc:sldMk cId="1450099695" sldId="261"/>
-            <ac:picMk id="5" creationId="{5B4C11BB-D5E4-4AAB-9032-D4D2A739A47B}"/>
-          </ac:picMkLst>
-        </pc:picChg>
-      </pc:sldChg>
-      <pc:sldChg chg="addSp delSp modSp new mod setBg">
-        <pc:chgData name="LIU, ZHEN" userId="83aeb4cc-2473-4d50-aec4-93f00cbe151b" providerId="ADAL" clId="{5D34429C-94E9-47AD-980A-CA5D5A1AE392}" dt="2023-03-10T02:49:25.661" v="750" actId="14100"/>
-        <pc:sldMkLst>
-          <pc:docMk/>
-          <pc:sldMk cId="1711992569" sldId="262"/>
-        </pc:sldMkLst>
-        <pc:spChg chg="mod">
-          <ac:chgData name="LIU, ZHEN" userId="83aeb4cc-2473-4d50-aec4-93f00cbe151b" providerId="ADAL" clId="{5D34429C-94E9-47AD-980A-CA5D5A1AE392}" dt="2023-03-10T02:47:12.797" v="540" actId="20577"/>
-          <ac:spMkLst>
-            <pc:docMk/>
-            <pc:sldMk cId="1711992569" sldId="262"/>
-            <ac:spMk id="2" creationId="{EAF8332B-399C-41E6-8BBE-377844554F0E}"/>
-          </ac:spMkLst>
-        </pc:spChg>
-        <pc:spChg chg="del">
-          <ac:chgData name="LIU, ZHEN" userId="83aeb4cc-2473-4d50-aec4-93f00cbe151b" providerId="ADAL" clId="{5D34429C-94E9-47AD-980A-CA5D5A1AE392}" dt="2023-03-10T02:46:39.239" v="513" actId="478"/>
-          <ac:spMkLst>
-            <pc:docMk/>
-            <pc:sldMk cId="1711992569" sldId="262"/>
-            <ac:spMk id="3" creationId="{5042819D-9551-4BC9-87C2-78890A1AB9E3}"/>
-          </ac:spMkLst>
-        </pc:spChg>
-        <pc:spChg chg="add mod">
-          <ac:chgData name="LIU, ZHEN" userId="83aeb4cc-2473-4d50-aec4-93f00cbe151b" providerId="ADAL" clId="{5D34429C-94E9-47AD-980A-CA5D5A1AE392}" dt="2023-03-10T02:49:21.202" v="748" actId="1076"/>
-          <ac:spMkLst>
-            <pc:docMk/>
-            <pc:sldMk cId="1711992569" sldId="262"/>
-            <ac:spMk id="7" creationId="{F781CE32-0CA9-48C0-A20F-FB5104F394FA}"/>
-          </ac:spMkLst>
-        </pc:spChg>
-        <pc:spChg chg="add mod">
-          <ac:chgData name="LIU, ZHEN" userId="83aeb4cc-2473-4d50-aec4-93f00cbe151b" providerId="ADAL" clId="{5D34429C-94E9-47AD-980A-CA5D5A1AE392}" dt="2023-03-10T02:49:25.661" v="750" actId="14100"/>
-          <ac:spMkLst>
-            <pc:docMk/>
-            <pc:sldMk cId="1711992569" sldId="262"/>
-            <ac:spMk id="8" creationId="{F15105AA-3BE2-4A2E-95F8-F0B4B59AA57A}"/>
-          </ac:spMkLst>
-        </pc:spChg>
-        <pc:spChg chg="add mod">
-          <ac:chgData name="LIU, ZHEN" userId="83aeb4cc-2473-4d50-aec4-93f00cbe151b" providerId="ADAL" clId="{5D34429C-94E9-47AD-980A-CA5D5A1AE392}" dt="2023-03-10T02:49:16.359" v="746" actId="20577"/>
-          <ac:spMkLst>
-            <pc:docMk/>
-            <pc:sldMk cId="1711992569" sldId="262"/>
-            <ac:spMk id="9" creationId="{BC2E8841-4BCD-49DE-9FC8-E6D5E7CAFA51}"/>
-          </ac:spMkLst>
-        </pc:spChg>
-        <pc:spChg chg="add">
-          <ac:chgData name="LIU, ZHEN" userId="83aeb4cc-2473-4d50-aec4-93f00cbe151b" providerId="ADAL" clId="{5D34429C-94E9-47AD-980A-CA5D5A1AE392}" dt="2023-03-10T02:46:44.567" v="517" actId="26606"/>
-          <ac:spMkLst>
-            <pc:docMk/>
-            <pc:sldMk cId="1711992569" sldId="262"/>
-            <ac:spMk id="10" creationId="{53F29798-D584-4792-9B62-3F5F5C36D619}"/>
-          </ac:spMkLst>
-        </pc:spChg>
-        <pc:picChg chg="add mod">
-          <ac:chgData name="LIU, ZHEN" userId="83aeb4cc-2473-4d50-aec4-93f00cbe151b" providerId="ADAL" clId="{5D34429C-94E9-47AD-980A-CA5D5A1AE392}" dt="2023-03-10T02:49:19.257" v="747" actId="1076"/>
-          <ac:picMkLst>
-            <pc:docMk/>
-            <pc:sldMk cId="1711992569" sldId="262"/>
-            <ac:picMk id="5" creationId="{97F8336B-12FF-494D-9707-82BA038C18CA}"/>
-          </ac:picMkLst>
-        </pc:picChg>
-      </pc:sldChg>
-      <pc:sldChg chg="addSp delSp modSp new mod setBg">
-        <pc:chgData name="LIU, ZHEN" userId="83aeb4cc-2473-4d50-aec4-93f00cbe151b" providerId="ADAL" clId="{5D34429C-94E9-47AD-980A-CA5D5A1AE392}" dt="2023-03-10T02:51:05.182" v="814" actId="20577"/>
-        <pc:sldMkLst>
-          <pc:docMk/>
-          <pc:sldMk cId="4263972804" sldId="263"/>
-        </pc:sldMkLst>
-        <pc:spChg chg="mod">
-          <ac:chgData name="LIU, ZHEN" userId="83aeb4cc-2473-4d50-aec4-93f00cbe151b" providerId="ADAL" clId="{5D34429C-94E9-47AD-980A-CA5D5A1AE392}" dt="2023-03-10T02:50:15.891" v="771" actId="20577"/>
-          <ac:spMkLst>
-            <pc:docMk/>
-            <pc:sldMk cId="4263972804" sldId="263"/>
-            <ac:spMk id="2" creationId="{E924DD03-19D9-4D91-8CB9-26D63FA48565}"/>
-          </ac:spMkLst>
-        </pc:spChg>
-        <pc:spChg chg="del">
-          <ac:chgData name="LIU, ZHEN" userId="83aeb4cc-2473-4d50-aec4-93f00cbe151b" providerId="ADAL" clId="{5D34429C-94E9-47AD-980A-CA5D5A1AE392}" dt="2023-03-10T02:50:07.444" v="752" actId="478"/>
-          <ac:spMkLst>
-            <pc:docMk/>
-            <pc:sldMk cId="4263972804" sldId="263"/>
-            <ac:spMk id="3" creationId="{ACAEF976-4778-4200-9A69-C0D9EBCC89A2}"/>
-          </ac:spMkLst>
-        </pc:spChg>
-        <pc:spChg chg="add mod">
-          <ac:chgData name="LIU, ZHEN" userId="83aeb4cc-2473-4d50-aec4-93f00cbe151b" providerId="ADAL" clId="{5D34429C-94E9-47AD-980A-CA5D5A1AE392}" dt="2023-03-10T02:50:27.377" v="774" actId="1076"/>
-          <ac:spMkLst>
-            <pc:docMk/>
-            <pc:sldMk cId="4263972804" sldId="263"/>
-            <ac:spMk id="7" creationId="{3A2B2CBB-F7E4-43A3-838B-9EB506A4A9BB}"/>
-          </ac:spMkLst>
-        </pc:spChg>
-        <pc:spChg chg="add mod">
-          <ac:chgData name="LIU, ZHEN" userId="83aeb4cc-2473-4d50-aec4-93f00cbe151b" providerId="ADAL" clId="{5D34429C-94E9-47AD-980A-CA5D5A1AE392}" dt="2023-03-10T02:51:05.182" v="814" actId="20577"/>
-          <ac:spMkLst>
-            <pc:docMk/>
-            <pc:sldMk cId="4263972804" sldId="263"/>
-            <ac:spMk id="8" creationId="{BFF2FDA9-B4A1-4E04-BBBC-6A2763DADD34}"/>
-          </ac:spMkLst>
-        </pc:spChg>
-        <pc:spChg chg="add">
-          <ac:chgData name="LIU, ZHEN" userId="83aeb4cc-2473-4d50-aec4-93f00cbe151b" providerId="ADAL" clId="{5D34429C-94E9-47AD-980A-CA5D5A1AE392}" dt="2023-03-10T02:50:10.423" v="754" actId="26606"/>
-          <ac:spMkLst>
-            <pc:docMk/>
-            <pc:sldMk cId="4263972804" sldId="263"/>
-            <ac:spMk id="10" creationId="{53F29798-D584-4792-9B62-3F5F5C36D619}"/>
-          </ac:spMkLst>
-        </pc:spChg>
-        <pc:picChg chg="add mod">
-          <ac:chgData name="LIU, ZHEN" userId="83aeb4cc-2473-4d50-aec4-93f00cbe151b" providerId="ADAL" clId="{5D34429C-94E9-47AD-980A-CA5D5A1AE392}" dt="2023-03-10T02:50:24.765" v="773" actId="1076"/>
-          <ac:picMkLst>
-            <pc:docMk/>
-            <pc:sldMk cId="4263972804" sldId="263"/>
-            <ac:picMk id="5" creationId="{D724F30D-6FA8-487D-B5BD-D6712F341499}"/>
-          </ac:picMkLst>
-        </pc:picChg>
-      </pc:sldChg>
-      <pc:sldChg chg="addSp delSp modSp new mod setBg">
-        <pc:chgData name="LIU, ZHEN" userId="83aeb4cc-2473-4d50-aec4-93f00cbe151b" providerId="ADAL" clId="{5D34429C-94E9-47AD-980A-CA5D5A1AE392}" dt="2023-03-10T02:53:22.116" v="1004" actId="20577"/>
-        <pc:sldMkLst>
-          <pc:docMk/>
-          <pc:sldMk cId="3333023814" sldId="264"/>
-        </pc:sldMkLst>
-        <pc:spChg chg="mod">
-          <ac:chgData name="LIU, ZHEN" userId="83aeb4cc-2473-4d50-aec4-93f00cbe151b" providerId="ADAL" clId="{5D34429C-94E9-47AD-980A-CA5D5A1AE392}" dt="2023-03-10T02:51:44.425" v="825" actId="26606"/>
-          <ac:spMkLst>
-            <pc:docMk/>
-            <pc:sldMk cId="3333023814" sldId="264"/>
-            <ac:spMk id="2" creationId="{8175A5B5-2D1B-424E-A90D-FC484F5186A7}"/>
-          </ac:spMkLst>
-        </pc:spChg>
-        <pc:spChg chg="del">
-          <ac:chgData name="LIU, ZHEN" userId="83aeb4cc-2473-4d50-aec4-93f00cbe151b" providerId="ADAL" clId="{5D34429C-94E9-47AD-980A-CA5D5A1AE392}" dt="2023-03-10T02:51:13.588" v="823" actId="478"/>
-          <ac:spMkLst>
-            <pc:docMk/>
-            <pc:sldMk cId="3333023814" sldId="264"/>
-            <ac:spMk id="3" creationId="{D24EC91D-B096-4CA8-AF02-0AE9383B8D99}"/>
-          </ac:spMkLst>
-        </pc:spChg>
-        <pc:spChg chg="add mod">
-          <ac:chgData name="LIU, ZHEN" userId="83aeb4cc-2473-4d50-aec4-93f00cbe151b" providerId="ADAL" clId="{5D34429C-94E9-47AD-980A-CA5D5A1AE392}" dt="2023-03-10T02:52:11.234" v="849" actId="14100"/>
-          <ac:spMkLst>
-            <pc:docMk/>
-            <pc:sldMk cId="3333023814" sldId="264"/>
-            <ac:spMk id="6" creationId="{F142C582-FD6F-4726-8A4A-EF337962C55E}"/>
-          </ac:spMkLst>
-        </pc:spChg>
-        <pc:spChg chg="add mod">
-          <ac:chgData name="LIU, ZHEN" userId="83aeb4cc-2473-4d50-aec4-93f00cbe151b" providerId="ADAL" clId="{5D34429C-94E9-47AD-980A-CA5D5A1AE392}" dt="2023-03-10T02:52:20.598" v="853" actId="14100"/>
-          <ac:spMkLst>
-            <pc:docMk/>
-            <pc:sldMk cId="3333023814" sldId="264"/>
-            <ac:spMk id="7" creationId="{3537370C-EDD3-4086-AD6D-8B115CF52AAE}"/>
-          </ac:spMkLst>
-        </pc:spChg>
-        <pc:spChg chg="add mod">
-          <ac:chgData name="LIU, ZHEN" userId="83aeb4cc-2473-4d50-aec4-93f00cbe151b" providerId="ADAL" clId="{5D34429C-94E9-47AD-980A-CA5D5A1AE392}" dt="2023-03-10T02:53:22.116" v="1004" actId="20577"/>
-          <ac:spMkLst>
-            <pc:docMk/>
-            <pc:sldMk cId="3333023814" sldId="264"/>
-            <ac:spMk id="8" creationId="{5ADD69C9-9021-4326-849E-4A5F05BEBEE3}"/>
-          </ac:spMkLst>
-        </pc:spChg>
-        <pc:picChg chg="add mod">
-          <ac:chgData name="LIU, ZHEN" userId="83aeb4cc-2473-4d50-aec4-93f00cbe151b" providerId="ADAL" clId="{5D34429C-94E9-47AD-980A-CA5D5A1AE392}" dt="2023-03-10T02:51:44.425" v="825" actId="26606"/>
-          <ac:picMkLst>
-            <pc:docMk/>
-            <pc:sldMk cId="3333023814" sldId="264"/>
-            <ac:picMk id="5" creationId="{128FA486-127C-484D-8E05-B3A7863372D8}"/>
-          </ac:picMkLst>
-        </pc:picChg>
-      </pc:sldChg>
-      <pc:sldChg chg="addSp delSp modSp new mod setBg">
-        <pc:chgData name="LIU, ZHEN" userId="83aeb4cc-2473-4d50-aec4-93f00cbe151b" providerId="ADAL" clId="{5D34429C-94E9-47AD-980A-CA5D5A1AE392}" dt="2023-03-10T02:58:10.618" v="1177" actId="27636"/>
-        <pc:sldMkLst>
-          <pc:docMk/>
-          <pc:sldMk cId="3211759108" sldId="265"/>
-        </pc:sldMkLst>
-        <pc:spChg chg="mod">
-          <ac:chgData name="LIU, ZHEN" userId="83aeb4cc-2473-4d50-aec4-93f00cbe151b" providerId="ADAL" clId="{5D34429C-94E9-47AD-980A-CA5D5A1AE392}" dt="2023-03-10T02:56:19.961" v="1067" actId="1076"/>
-          <ac:spMkLst>
-            <pc:docMk/>
-            <pc:sldMk cId="3211759108" sldId="265"/>
-            <ac:spMk id="2" creationId="{CF8CFA9E-7F97-4448-9258-36CDCACE5A74}"/>
-          </ac:spMkLst>
-        </pc:spChg>
-        <pc:spChg chg="del">
-          <ac:chgData name="LIU, ZHEN" userId="83aeb4cc-2473-4d50-aec4-93f00cbe151b" providerId="ADAL" clId="{5D34429C-94E9-47AD-980A-CA5D5A1AE392}" dt="2023-03-10T02:53:35.152" v="1005" actId="478"/>
-          <ac:spMkLst>
-            <pc:docMk/>
-            <pc:sldMk cId="3211759108" sldId="265"/>
-            <ac:spMk id="3" creationId="{1A12A4EF-0CF8-4653-AAAF-08C14C7B10A0}"/>
-          </ac:spMkLst>
-        </pc:spChg>
-        <pc:spChg chg="add mod">
-          <ac:chgData name="LIU, ZHEN" userId="83aeb4cc-2473-4d50-aec4-93f00cbe151b" providerId="ADAL" clId="{5D34429C-94E9-47AD-980A-CA5D5A1AE392}" dt="2023-03-10T02:58:10.618" v="1177" actId="27636"/>
-          <ac:spMkLst>
-            <pc:docMk/>
-            <pc:sldMk cId="3211759108" sldId="265"/>
-            <ac:spMk id="4" creationId="{3E626425-A0B0-4ABC-9FD9-793B990FB893}"/>
-          </ac:spMkLst>
-        </pc:spChg>
-        <pc:spChg chg="add del">
-          <ac:chgData name="LIU, ZHEN" userId="83aeb4cc-2473-4d50-aec4-93f00cbe151b" providerId="ADAL" clId="{5D34429C-94E9-47AD-980A-CA5D5A1AE392}" dt="2023-03-10T02:56:02.572" v="1065" actId="26606"/>
-          <ac:spMkLst>
-            <pc:docMk/>
-            <pc:sldMk cId="3211759108" sldId="265"/>
-            <ac:spMk id="11" creationId="{1A95671B-3CC6-4792-9114-B74FAEA224E6}"/>
-          </ac:spMkLst>
-        </pc:spChg>
-        <pc:spChg chg="add">
-          <ac:chgData name="LIU, ZHEN" userId="83aeb4cc-2473-4d50-aec4-93f00cbe151b" providerId="ADAL" clId="{5D34429C-94E9-47AD-980A-CA5D5A1AE392}" dt="2023-03-10T02:56:02.572" v="1065" actId="26606"/>
-          <ac:spMkLst>
-            <pc:docMk/>
-            <pc:sldMk cId="3211759108" sldId="265"/>
-            <ac:spMk id="16" creationId="{8761DDFE-071F-4200-B0AA-394476C2D2D6}"/>
-          </ac:spMkLst>
-        </pc:spChg>
-        <pc:picChg chg="add mod">
-          <ac:chgData name="LIU, ZHEN" userId="83aeb4cc-2473-4d50-aec4-93f00cbe151b" providerId="ADAL" clId="{5D34429C-94E9-47AD-980A-CA5D5A1AE392}" dt="2023-03-10T02:56:02.572" v="1065" actId="26606"/>
-          <ac:picMkLst>
-            <pc:docMk/>
-            <pc:sldMk cId="3211759108" sldId="265"/>
-            <ac:picMk id="6" creationId="{E8517F83-D289-47FC-85B4-23DDC2331974}"/>
-          </ac:picMkLst>
-        </pc:picChg>
-        <pc:picChg chg="add mod">
-          <ac:chgData name="LIU, ZHEN" userId="83aeb4cc-2473-4d50-aec4-93f00cbe151b" providerId="ADAL" clId="{5D34429C-94E9-47AD-980A-CA5D5A1AE392}" dt="2023-03-10T02:56:02.572" v="1065" actId="26606"/>
-          <ac:picMkLst>
-            <pc:docMk/>
-            <pc:sldMk cId="3211759108" sldId="265"/>
-            <ac:picMk id="8" creationId="{CCC3382F-5FDA-4F31-9824-92E54930F3D1}"/>
-          </ac:picMkLst>
-        </pc:picChg>
-      </pc:sldChg>
-    </pc:docChg>
-  </pc:docChgLst>
-</pc:chgInfo>
-</file>
-
 <file path=ppt/slideLayouts/slideLayout1.xml><?xml version="1.0" encoding="utf-8"?>
 <p:sldLayout xmlns:a="http://schemas.openxmlformats.org/drawingml/2006/main" xmlns:r="http://schemas.openxmlformats.org/officeDocument/2006/relationships" xmlns:p="http://schemas.openxmlformats.org/presentationml/2006/main" type="title" preserve="1">
   <p:cSld name="タイトル スライド">
@@ -668,13 +135,7 @@
       </p:grpSpPr>
       <p:sp>
         <p:nvSpPr>
-          <p:cNvPr id="2" name="タイトル 1">
-            <a:extLst>
-              <a:ext uri="{FF2B5EF4-FFF2-40B4-BE49-F238E27FC236}">
-                <a16:creationId xmlns:a16="http://schemas.microsoft.com/office/drawing/2014/main" id="{3F2672B4-E79E-4FD4-91C1-D804994B7E78}"/>
-              </a:ext>
-            </a:extLst>
-          </p:cNvPr>
+          <p:cNvPr id="2" name="タイトル 1"/>
           <p:cNvSpPr>
             <a:spLocks noGrp="1"/>
           </p:cNvSpPr>
@@ -706,13 +167,7 @@
       </p:sp>
       <p:sp>
         <p:nvSpPr>
-          <p:cNvPr id="3" name="字幕 2">
-            <a:extLst>
-              <a:ext uri="{FF2B5EF4-FFF2-40B4-BE49-F238E27FC236}">
-                <a16:creationId xmlns:a16="http://schemas.microsoft.com/office/drawing/2014/main" id="{0E094BBC-7E73-41C8-A01B-0B7069AB4D47}"/>
-              </a:ext>
-            </a:extLst>
-          </p:cNvPr>
+          <p:cNvPr id="3" name="字幕 2"/>
           <p:cNvSpPr>
             <a:spLocks noGrp="1"/>
           </p:cNvSpPr>
@@ -777,13 +232,7 @@
       </p:sp>
       <p:sp>
         <p:nvSpPr>
-          <p:cNvPr id="4" name="日付プレースホルダー 3">
-            <a:extLst>
-              <a:ext uri="{FF2B5EF4-FFF2-40B4-BE49-F238E27FC236}">
-                <a16:creationId xmlns:a16="http://schemas.microsoft.com/office/drawing/2014/main" id="{2A8757BC-1184-4702-968F-892998364B84}"/>
-              </a:ext>
-            </a:extLst>
-          </p:cNvPr>
+          <p:cNvPr id="4" name="日付プレースホルダー 3"/>
           <p:cNvSpPr>
             <a:spLocks noGrp="1"/>
           </p:cNvSpPr>
@@ -798,7 +247,6 @@
           <a:p>
             <a:fld id="{C429C7FD-4840-466D-B162-85B963FBD148}" type="datetimeFigureOut">
               <a:rPr lang="en-US" smtClean="0"/>
-              <a:t>3/10/2023</a:t>
             </a:fld>
             <a:endParaRPr lang="en-US"/>
           </a:p>
@@ -806,13 +254,7 @@
       </p:sp>
       <p:sp>
         <p:nvSpPr>
-          <p:cNvPr id="5" name="フッター プレースホルダー 4">
-            <a:extLst>
-              <a:ext uri="{FF2B5EF4-FFF2-40B4-BE49-F238E27FC236}">
-                <a16:creationId xmlns:a16="http://schemas.microsoft.com/office/drawing/2014/main" id="{5472B0ED-5B83-4BF6-ADAE-CC8E082778A7}"/>
-              </a:ext>
-            </a:extLst>
-          </p:cNvPr>
+          <p:cNvPr id="5" name="フッター プレースホルダー 4"/>
           <p:cNvSpPr>
             <a:spLocks noGrp="1"/>
           </p:cNvSpPr>
@@ -831,13 +273,7 @@
       </p:sp>
       <p:sp>
         <p:nvSpPr>
-          <p:cNvPr id="6" name="スライド番号プレースホルダー 5">
-            <a:extLst>
-              <a:ext uri="{FF2B5EF4-FFF2-40B4-BE49-F238E27FC236}">
-                <a16:creationId xmlns:a16="http://schemas.microsoft.com/office/drawing/2014/main" id="{9170BA9E-5164-49A4-B52D-E7FEDD24402E}"/>
-              </a:ext>
-            </a:extLst>
-          </p:cNvPr>
+          <p:cNvPr id="6" name="スライド番号プレースホルダー 5"/>
           <p:cNvSpPr>
             <a:spLocks noGrp="1"/>
           </p:cNvSpPr>
@@ -852,18 +288,12 @@
           <a:p>
             <a:fld id="{562F1399-25CD-466E-94DA-A7F7087E3954}" type="slidenum">
               <a:rPr lang="en-US" smtClean="0"/>
-              <a:t>‹#›</a:t>
             </a:fld>
             <a:endParaRPr lang="en-US"/>
           </a:p>
         </p:txBody>
       </p:sp>
     </p:spTree>
-    <p:extLst>
-      <p:ext uri="{BB962C8B-B14F-4D97-AF65-F5344CB8AC3E}">
-        <p14:creationId xmlns:p14="http://schemas.microsoft.com/office/powerpoint/2010/main" val="547221390"/>
-      </p:ext>
-    </p:extLst>
   </p:cSld>
   <p:clrMapOvr>
     <a:masterClrMapping/>
@@ -890,13 +320,7 @@
       </p:grpSpPr>
       <p:sp>
         <p:nvSpPr>
-          <p:cNvPr id="2" name="タイトル 1">
-            <a:extLst>
-              <a:ext uri="{FF2B5EF4-FFF2-40B4-BE49-F238E27FC236}">
-                <a16:creationId xmlns:a16="http://schemas.microsoft.com/office/drawing/2014/main" id="{D3CD1D21-F881-4D2E-AE34-4C763596075B}"/>
-              </a:ext>
-            </a:extLst>
-          </p:cNvPr>
+          <p:cNvPr id="2" name="タイトル 1"/>
           <p:cNvSpPr>
             <a:spLocks noGrp="1"/>
           </p:cNvSpPr>
@@ -919,13 +343,7 @@
       </p:sp>
       <p:sp>
         <p:nvSpPr>
-          <p:cNvPr id="3" name="縦書きテキスト プレースホルダー 2">
-            <a:extLst>
-              <a:ext uri="{FF2B5EF4-FFF2-40B4-BE49-F238E27FC236}">
-                <a16:creationId xmlns:a16="http://schemas.microsoft.com/office/drawing/2014/main" id="{0E4CE96C-B867-48D9-8780-C42FE1C8D69F}"/>
-              </a:ext>
-            </a:extLst>
-          </p:cNvPr>
+          <p:cNvPr id="3" name="縦書きテキスト プレースホルダー 2"/>
           <p:cNvSpPr>
             <a:spLocks noGrp="1"/>
           </p:cNvSpPr>
@@ -943,6 +361,7 @@
               <a:rPr lang="ja-JP" altLang="en-US"/>
               <a:t>マスター テキストの書式設定</a:t>
             </a:r>
+            <a:endParaRPr lang="ja-JP" altLang="en-US"/>
           </a:p>
           <a:p>
             <a:pPr lvl="1"/>
@@ -958,6 +377,7 @@
               <a:rPr lang="ja-JP" altLang="en-US"/>
               <a:t>レベル</a:t>
             </a:r>
+            <a:endParaRPr lang="ja-JP" altLang="en-US"/>
           </a:p>
           <a:p>
             <a:pPr lvl="2"/>
@@ -973,6 +393,7 @@
               <a:rPr lang="ja-JP" altLang="en-US"/>
               <a:t>レベル</a:t>
             </a:r>
+            <a:endParaRPr lang="ja-JP" altLang="en-US"/>
           </a:p>
           <a:p>
             <a:pPr lvl="3"/>
@@ -988,6 +409,7 @@
               <a:rPr lang="ja-JP" altLang="en-US"/>
               <a:t>レベル</a:t>
             </a:r>
+            <a:endParaRPr lang="ja-JP" altLang="en-US"/>
           </a:p>
           <a:p>
             <a:pPr lvl="4"/>
@@ -1009,13 +431,7 @@
       </p:sp>
       <p:sp>
         <p:nvSpPr>
-          <p:cNvPr id="4" name="日付プレースホルダー 3">
-            <a:extLst>
-              <a:ext uri="{FF2B5EF4-FFF2-40B4-BE49-F238E27FC236}">
-                <a16:creationId xmlns:a16="http://schemas.microsoft.com/office/drawing/2014/main" id="{973AC18A-B5F7-414B-812E-7EF6FB0AABD7}"/>
-              </a:ext>
-            </a:extLst>
-          </p:cNvPr>
+          <p:cNvPr id="4" name="日付プレースホルダー 3"/>
           <p:cNvSpPr>
             <a:spLocks noGrp="1"/>
           </p:cNvSpPr>
@@ -1030,7 +446,6 @@
           <a:p>
             <a:fld id="{C429C7FD-4840-466D-B162-85B963FBD148}" type="datetimeFigureOut">
               <a:rPr lang="en-US" smtClean="0"/>
-              <a:t>3/10/2023</a:t>
             </a:fld>
             <a:endParaRPr lang="en-US"/>
           </a:p>
@@ -1038,13 +453,7 @@
       </p:sp>
       <p:sp>
         <p:nvSpPr>
-          <p:cNvPr id="5" name="フッター プレースホルダー 4">
-            <a:extLst>
-              <a:ext uri="{FF2B5EF4-FFF2-40B4-BE49-F238E27FC236}">
-                <a16:creationId xmlns:a16="http://schemas.microsoft.com/office/drawing/2014/main" id="{DC590060-198F-4BCC-B43B-79739E999AB6}"/>
-              </a:ext>
-            </a:extLst>
-          </p:cNvPr>
+          <p:cNvPr id="5" name="フッター プレースホルダー 4"/>
           <p:cNvSpPr>
             <a:spLocks noGrp="1"/>
           </p:cNvSpPr>
@@ -1063,13 +472,7 @@
       </p:sp>
       <p:sp>
         <p:nvSpPr>
-          <p:cNvPr id="6" name="スライド番号プレースホルダー 5">
-            <a:extLst>
-              <a:ext uri="{FF2B5EF4-FFF2-40B4-BE49-F238E27FC236}">
-                <a16:creationId xmlns:a16="http://schemas.microsoft.com/office/drawing/2014/main" id="{7B6CEF61-5551-4486-BA1B-45AE7D031D68}"/>
-              </a:ext>
-            </a:extLst>
-          </p:cNvPr>
+          <p:cNvPr id="6" name="スライド番号プレースホルダー 5"/>
           <p:cNvSpPr>
             <a:spLocks noGrp="1"/>
           </p:cNvSpPr>
@@ -1084,18 +487,12 @@
           <a:p>
             <a:fld id="{562F1399-25CD-466E-94DA-A7F7087E3954}" type="slidenum">
               <a:rPr lang="en-US" smtClean="0"/>
-              <a:t>‹#›</a:t>
             </a:fld>
             <a:endParaRPr lang="en-US"/>
           </a:p>
         </p:txBody>
       </p:sp>
     </p:spTree>
-    <p:extLst>
-      <p:ext uri="{BB962C8B-B14F-4D97-AF65-F5344CB8AC3E}">
-        <p14:creationId xmlns:p14="http://schemas.microsoft.com/office/powerpoint/2010/main" val="1431149405"/>
-      </p:ext>
-    </p:extLst>
   </p:cSld>
   <p:clrMapOvr>
     <a:masterClrMapping/>
@@ -1122,13 +519,7 @@
       </p:grpSpPr>
       <p:sp>
         <p:nvSpPr>
-          <p:cNvPr id="2" name="縦書きタイトル 1">
-            <a:extLst>
-              <a:ext uri="{FF2B5EF4-FFF2-40B4-BE49-F238E27FC236}">
-                <a16:creationId xmlns:a16="http://schemas.microsoft.com/office/drawing/2014/main" id="{571B0628-8B33-4931-BC8E-85A9B7EC2121}"/>
-              </a:ext>
-            </a:extLst>
-          </p:cNvPr>
+          <p:cNvPr id="2" name="縦書きタイトル 1"/>
           <p:cNvSpPr>
             <a:spLocks noGrp="1"/>
           </p:cNvSpPr>
@@ -1156,13 +547,7 @@
       </p:sp>
       <p:sp>
         <p:nvSpPr>
-          <p:cNvPr id="3" name="縦書きテキスト プレースホルダー 2">
-            <a:extLst>
-              <a:ext uri="{FF2B5EF4-FFF2-40B4-BE49-F238E27FC236}">
-                <a16:creationId xmlns:a16="http://schemas.microsoft.com/office/drawing/2014/main" id="{BC4236BB-5C08-4494-8115-B326F3C4B9FE}"/>
-              </a:ext>
-            </a:extLst>
-          </p:cNvPr>
+          <p:cNvPr id="3" name="縦書きテキスト プレースホルダー 2"/>
           <p:cNvSpPr>
             <a:spLocks noGrp="1"/>
           </p:cNvSpPr>
@@ -1185,6 +570,7 @@
               <a:rPr lang="ja-JP" altLang="en-US"/>
               <a:t>マスター テキストの書式設定</a:t>
             </a:r>
+            <a:endParaRPr lang="ja-JP" altLang="en-US"/>
           </a:p>
           <a:p>
             <a:pPr lvl="1"/>
@@ -1200,6 +586,7 @@
               <a:rPr lang="ja-JP" altLang="en-US"/>
               <a:t>レベル</a:t>
             </a:r>
+            <a:endParaRPr lang="ja-JP" altLang="en-US"/>
           </a:p>
           <a:p>
             <a:pPr lvl="2"/>
@@ -1215,6 +602,7 @@
               <a:rPr lang="ja-JP" altLang="en-US"/>
               <a:t>レベル</a:t>
             </a:r>
+            <a:endParaRPr lang="ja-JP" altLang="en-US"/>
           </a:p>
           <a:p>
             <a:pPr lvl="3"/>
@@ -1230,6 +618,7 @@
               <a:rPr lang="ja-JP" altLang="en-US"/>
               <a:t>レベル</a:t>
             </a:r>
+            <a:endParaRPr lang="ja-JP" altLang="en-US"/>
           </a:p>
           <a:p>
             <a:pPr lvl="4"/>
@@ -1251,13 +640,7 @@
       </p:sp>
       <p:sp>
         <p:nvSpPr>
-          <p:cNvPr id="4" name="日付プレースホルダー 3">
-            <a:extLst>
-              <a:ext uri="{FF2B5EF4-FFF2-40B4-BE49-F238E27FC236}">
-                <a16:creationId xmlns:a16="http://schemas.microsoft.com/office/drawing/2014/main" id="{24D683AD-F937-4C54-ACD5-E8580EE4186D}"/>
-              </a:ext>
-            </a:extLst>
-          </p:cNvPr>
+          <p:cNvPr id="4" name="日付プレースホルダー 3"/>
           <p:cNvSpPr>
             <a:spLocks noGrp="1"/>
           </p:cNvSpPr>
@@ -1272,7 +655,6 @@
           <a:p>
             <a:fld id="{C429C7FD-4840-466D-B162-85B963FBD148}" type="datetimeFigureOut">
               <a:rPr lang="en-US" smtClean="0"/>
-              <a:t>3/10/2023</a:t>
             </a:fld>
             <a:endParaRPr lang="en-US"/>
           </a:p>
@@ -1280,13 +662,7 @@
       </p:sp>
       <p:sp>
         <p:nvSpPr>
-          <p:cNvPr id="5" name="フッター プレースホルダー 4">
-            <a:extLst>
-              <a:ext uri="{FF2B5EF4-FFF2-40B4-BE49-F238E27FC236}">
-                <a16:creationId xmlns:a16="http://schemas.microsoft.com/office/drawing/2014/main" id="{16A556E5-48DE-4DEA-8A6D-0A65B0C5EFA5}"/>
-              </a:ext>
-            </a:extLst>
-          </p:cNvPr>
+          <p:cNvPr id="5" name="フッター プレースホルダー 4"/>
           <p:cNvSpPr>
             <a:spLocks noGrp="1"/>
           </p:cNvSpPr>
@@ -1305,13 +681,7 @@
       </p:sp>
       <p:sp>
         <p:nvSpPr>
-          <p:cNvPr id="6" name="スライド番号プレースホルダー 5">
-            <a:extLst>
-              <a:ext uri="{FF2B5EF4-FFF2-40B4-BE49-F238E27FC236}">
-                <a16:creationId xmlns:a16="http://schemas.microsoft.com/office/drawing/2014/main" id="{1254004B-D11A-4205-AAFC-878C5A564135}"/>
-              </a:ext>
-            </a:extLst>
-          </p:cNvPr>
+          <p:cNvPr id="6" name="スライド番号プレースホルダー 5"/>
           <p:cNvSpPr>
             <a:spLocks noGrp="1"/>
           </p:cNvSpPr>
@@ -1326,18 +696,12 @@
           <a:p>
             <a:fld id="{562F1399-25CD-466E-94DA-A7F7087E3954}" type="slidenum">
               <a:rPr lang="en-US" smtClean="0"/>
-              <a:t>‹#›</a:t>
             </a:fld>
             <a:endParaRPr lang="en-US"/>
           </a:p>
         </p:txBody>
       </p:sp>
     </p:spTree>
-    <p:extLst>
-      <p:ext uri="{BB962C8B-B14F-4D97-AF65-F5344CB8AC3E}">
-        <p14:creationId xmlns:p14="http://schemas.microsoft.com/office/powerpoint/2010/main" val="1358036593"/>
-      </p:ext>
-    </p:extLst>
   </p:cSld>
   <p:clrMapOvr>
     <a:masterClrMapping/>
@@ -1364,13 +728,7 @@
       </p:grpSpPr>
       <p:sp>
         <p:nvSpPr>
-          <p:cNvPr id="2" name="タイトル 1">
-            <a:extLst>
-              <a:ext uri="{FF2B5EF4-FFF2-40B4-BE49-F238E27FC236}">
-                <a16:creationId xmlns:a16="http://schemas.microsoft.com/office/drawing/2014/main" id="{6A6BFDB1-C663-41EE-A0F8-11E64F7F869A}"/>
-              </a:ext>
-            </a:extLst>
-          </p:cNvPr>
+          <p:cNvPr id="2" name="タイトル 1"/>
           <p:cNvSpPr>
             <a:spLocks noGrp="1"/>
           </p:cNvSpPr>
@@ -1393,13 +751,7 @@
       </p:sp>
       <p:sp>
         <p:nvSpPr>
-          <p:cNvPr id="3" name="コンテンツ プレースホルダー 2">
-            <a:extLst>
-              <a:ext uri="{FF2B5EF4-FFF2-40B4-BE49-F238E27FC236}">
-                <a16:creationId xmlns:a16="http://schemas.microsoft.com/office/drawing/2014/main" id="{702FAF38-E195-4275-A6D0-87A911FCC706}"/>
-              </a:ext>
-            </a:extLst>
-          </p:cNvPr>
+          <p:cNvPr id="3" name="コンテンツ プレースホルダー 2"/>
           <p:cNvSpPr>
             <a:spLocks noGrp="1"/>
           </p:cNvSpPr>
@@ -1417,6 +769,7 @@
               <a:rPr lang="ja-JP" altLang="en-US"/>
               <a:t>マスター テキストの書式設定</a:t>
             </a:r>
+            <a:endParaRPr lang="ja-JP" altLang="en-US"/>
           </a:p>
           <a:p>
             <a:pPr lvl="1"/>
@@ -1432,6 +785,7 @@
               <a:rPr lang="ja-JP" altLang="en-US"/>
               <a:t>レベル</a:t>
             </a:r>
+            <a:endParaRPr lang="ja-JP" altLang="en-US"/>
           </a:p>
           <a:p>
             <a:pPr lvl="2"/>
@@ -1447,6 +801,7 @@
               <a:rPr lang="ja-JP" altLang="en-US"/>
               <a:t>レベル</a:t>
             </a:r>
+            <a:endParaRPr lang="ja-JP" altLang="en-US"/>
           </a:p>
           <a:p>
             <a:pPr lvl="3"/>
@@ -1462,6 +817,7 @@
               <a:rPr lang="ja-JP" altLang="en-US"/>
               <a:t>レベル</a:t>
             </a:r>
+            <a:endParaRPr lang="ja-JP" altLang="en-US"/>
           </a:p>
           <a:p>
             <a:pPr lvl="4"/>
@@ -1483,13 +839,7 @@
       </p:sp>
       <p:sp>
         <p:nvSpPr>
-          <p:cNvPr id="4" name="日付プレースホルダー 3">
-            <a:extLst>
-              <a:ext uri="{FF2B5EF4-FFF2-40B4-BE49-F238E27FC236}">
-                <a16:creationId xmlns:a16="http://schemas.microsoft.com/office/drawing/2014/main" id="{08F54928-D2B5-489C-A83B-EB87A81563B0}"/>
-              </a:ext>
-            </a:extLst>
-          </p:cNvPr>
+          <p:cNvPr id="4" name="日付プレースホルダー 3"/>
           <p:cNvSpPr>
             <a:spLocks noGrp="1"/>
           </p:cNvSpPr>
@@ -1504,7 +854,6 @@
           <a:p>
             <a:fld id="{C429C7FD-4840-466D-B162-85B963FBD148}" type="datetimeFigureOut">
               <a:rPr lang="en-US" smtClean="0"/>
-              <a:t>3/10/2023</a:t>
             </a:fld>
             <a:endParaRPr lang="en-US"/>
           </a:p>
@@ -1512,13 +861,7 @@
       </p:sp>
       <p:sp>
         <p:nvSpPr>
-          <p:cNvPr id="5" name="フッター プレースホルダー 4">
-            <a:extLst>
-              <a:ext uri="{FF2B5EF4-FFF2-40B4-BE49-F238E27FC236}">
-                <a16:creationId xmlns:a16="http://schemas.microsoft.com/office/drawing/2014/main" id="{D3F301DC-2C37-4F1D-8598-933BB7D89B30}"/>
-              </a:ext>
-            </a:extLst>
-          </p:cNvPr>
+          <p:cNvPr id="5" name="フッター プレースホルダー 4"/>
           <p:cNvSpPr>
             <a:spLocks noGrp="1"/>
           </p:cNvSpPr>
@@ -1537,13 +880,7 @@
       </p:sp>
       <p:sp>
         <p:nvSpPr>
-          <p:cNvPr id="6" name="スライド番号プレースホルダー 5">
-            <a:extLst>
-              <a:ext uri="{FF2B5EF4-FFF2-40B4-BE49-F238E27FC236}">
-                <a16:creationId xmlns:a16="http://schemas.microsoft.com/office/drawing/2014/main" id="{32927C2D-A55A-4B01-8AA4-B51A4B3E12F9}"/>
-              </a:ext>
-            </a:extLst>
-          </p:cNvPr>
+          <p:cNvPr id="6" name="スライド番号プレースホルダー 5"/>
           <p:cNvSpPr>
             <a:spLocks noGrp="1"/>
           </p:cNvSpPr>
@@ -1558,18 +895,12 @@
           <a:p>
             <a:fld id="{562F1399-25CD-466E-94DA-A7F7087E3954}" type="slidenum">
               <a:rPr lang="en-US" smtClean="0"/>
-              <a:t>‹#›</a:t>
             </a:fld>
             <a:endParaRPr lang="en-US"/>
           </a:p>
         </p:txBody>
       </p:sp>
     </p:spTree>
-    <p:extLst>
-      <p:ext uri="{BB962C8B-B14F-4D97-AF65-F5344CB8AC3E}">
-        <p14:creationId xmlns:p14="http://schemas.microsoft.com/office/powerpoint/2010/main" val="2759759649"/>
-      </p:ext>
-    </p:extLst>
   </p:cSld>
   <p:clrMapOvr>
     <a:masterClrMapping/>
@@ -1596,13 +927,7 @@
       </p:grpSpPr>
       <p:sp>
         <p:nvSpPr>
-          <p:cNvPr id="2" name="タイトル 1">
-            <a:extLst>
-              <a:ext uri="{FF2B5EF4-FFF2-40B4-BE49-F238E27FC236}">
-                <a16:creationId xmlns:a16="http://schemas.microsoft.com/office/drawing/2014/main" id="{18E5ACC5-35F4-4FA9-82FC-DE69C2981C31}"/>
-              </a:ext>
-            </a:extLst>
-          </p:cNvPr>
+          <p:cNvPr id="2" name="タイトル 1"/>
           <p:cNvSpPr>
             <a:spLocks noGrp="1"/>
           </p:cNvSpPr>
@@ -1634,13 +959,7 @@
       </p:sp>
       <p:sp>
         <p:nvSpPr>
-          <p:cNvPr id="3" name="テキスト プレースホルダー 2">
-            <a:extLst>
-              <a:ext uri="{FF2B5EF4-FFF2-40B4-BE49-F238E27FC236}">
-                <a16:creationId xmlns:a16="http://schemas.microsoft.com/office/drawing/2014/main" id="{C906008B-DAEB-49C4-9CFC-1603027BA329}"/>
-              </a:ext>
-            </a:extLst>
-          </p:cNvPr>
+          <p:cNvPr id="3" name="テキスト プレースホルダー 2"/>
           <p:cNvSpPr>
             <a:spLocks noGrp="1"/>
           </p:cNvSpPr>
@@ -1754,18 +1073,13 @@
               <a:rPr lang="ja-JP" altLang="en-US"/>
               <a:t>マスター テキストの書式設定</a:t>
             </a:r>
-          </a:p>
-        </p:txBody>
-      </p:sp>
-      <p:sp>
-        <p:nvSpPr>
-          <p:cNvPr id="4" name="日付プレースホルダー 3">
-            <a:extLst>
-              <a:ext uri="{FF2B5EF4-FFF2-40B4-BE49-F238E27FC236}">
-                <a16:creationId xmlns:a16="http://schemas.microsoft.com/office/drawing/2014/main" id="{ACFEF85D-0696-4D90-93A9-47FAEA737E2F}"/>
-              </a:ext>
-            </a:extLst>
-          </p:cNvPr>
+            <a:endParaRPr lang="ja-JP" altLang="en-US"/>
+          </a:p>
+        </p:txBody>
+      </p:sp>
+      <p:sp>
+        <p:nvSpPr>
+          <p:cNvPr id="4" name="日付プレースホルダー 3"/>
           <p:cNvSpPr>
             <a:spLocks noGrp="1"/>
           </p:cNvSpPr>
@@ -1780,7 +1094,6 @@
           <a:p>
             <a:fld id="{C429C7FD-4840-466D-B162-85B963FBD148}" type="datetimeFigureOut">
               <a:rPr lang="en-US" smtClean="0"/>
-              <a:t>3/10/2023</a:t>
             </a:fld>
             <a:endParaRPr lang="en-US"/>
           </a:p>
@@ -1788,13 +1101,7 @@
       </p:sp>
       <p:sp>
         <p:nvSpPr>
-          <p:cNvPr id="5" name="フッター プレースホルダー 4">
-            <a:extLst>
-              <a:ext uri="{FF2B5EF4-FFF2-40B4-BE49-F238E27FC236}">
-                <a16:creationId xmlns:a16="http://schemas.microsoft.com/office/drawing/2014/main" id="{29636A80-6E11-4A1B-880C-7B21066AE4C9}"/>
-              </a:ext>
-            </a:extLst>
-          </p:cNvPr>
+          <p:cNvPr id="5" name="フッター プレースホルダー 4"/>
           <p:cNvSpPr>
             <a:spLocks noGrp="1"/>
           </p:cNvSpPr>
@@ -1813,13 +1120,7 @@
       </p:sp>
       <p:sp>
         <p:nvSpPr>
-          <p:cNvPr id="6" name="スライド番号プレースホルダー 5">
-            <a:extLst>
-              <a:ext uri="{FF2B5EF4-FFF2-40B4-BE49-F238E27FC236}">
-                <a16:creationId xmlns:a16="http://schemas.microsoft.com/office/drawing/2014/main" id="{66D0D09F-8C52-45E7-9CA5-F2821AE0037A}"/>
-              </a:ext>
-            </a:extLst>
-          </p:cNvPr>
+          <p:cNvPr id="6" name="スライド番号プレースホルダー 5"/>
           <p:cNvSpPr>
             <a:spLocks noGrp="1"/>
           </p:cNvSpPr>
@@ -1834,18 +1135,12 @@
           <a:p>
             <a:fld id="{562F1399-25CD-466E-94DA-A7F7087E3954}" type="slidenum">
               <a:rPr lang="en-US" smtClean="0"/>
-              <a:t>‹#›</a:t>
             </a:fld>
             <a:endParaRPr lang="en-US"/>
           </a:p>
         </p:txBody>
       </p:sp>
     </p:spTree>
-    <p:extLst>
-      <p:ext uri="{BB962C8B-B14F-4D97-AF65-F5344CB8AC3E}">
-        <p14:creationId xmlns:p14="http://schemas.microsoft.com/office/powerpoint/2010/main" val="3783776565"/>
-      </p:ext>
-    </p:extLst>
   </p:cSld>
   <p:clrMapOvr>
     <a:masterClrMapping/>
@@ -1872,13 +1167,7 @@
       </p:grpSpPr>
       <p:sp>
         <p:nvSpPr>
-          <p:cNvPr id="2" name="タイトル 1">
-            <a:extLst>
-              <a:ext uri="{FF2B5EF4-FFF2-40B4-BE49-F238E27FC236}">
-                <a16:creationId xmlns:a16="http://schemas.microsoft.com/office/drawing/2014/main" id="{E4CFDBBC-5A5F-47FD-8714-E635FA1FDD1B}"/>
-              </a:ext>
-            </a:extLst>
-          </p:cNvPr>
+          <p:cNvPr id="2" name="タイトル 1"/>
           <p:cNvSpPr>
             <a:spLocks noGrp="1"/>
           </p:cNvSpPr>
@@ -1901,13 +1190,7 @@
       </p:sp>
       <p:sp>
         <p:nvSpPr>
-          <p:cNvPr id="3" name="コンテンツ プレースホルダー 2">
-            <a:extLst>
-              <a:ext uri="{FF2B5EF4-FFF2-40B4-BE49-F238E27FC236}">
-                <a16:creationId xmlns:a16="http://schemas.microsoft.com/office/drawing/2014/main" id="{81BE2EE7-9F1A-4CD6-8808-E78EB9DCAD1C}"/>
-              </a:ext>
-            </a:extLst>
-          </p:cNvPr>
+          <p:cNvPr id="3" name="コンテンツ プレースホルダー 2"/>
           <p:cNvSpPr>
             <a:spLocks noGrp="1"/>
           </p:cNvSpPr>
@@ -1930,6 +1213,7 @@
               <a:rPr lang="ja-JP" altLang="en-US"/>
               <a:t>マスター テキストの書式設定</a:t>
             </a:r>
+            <a:endParaRPr lang="ja-JP" altLang="en-US"/>
           </a:p>
           <a:p>
             <a:pPr lvl="1"/>
@@ -1945,6 +1229,7 @@
               <a:rPr lang="ja-JP" altLang="en-US"/>
               <a:t>レベル</a:t>
             </a:r>
+            <a:endParaRPr lang="ja-JP" altLang="en-US"/>
           </a:p>
           <a:p>
             <a:pPr lvl="2"/>
@@ -1960,6 +1245,7 @@
               <a:rPr lang="ja-JP" altLang="en-US"/>
               <a:t>レベル</a:t>
             </a:r>
+            <a:endParaRPr lang="ja-JP" altLang="en-US"/>
           </a:p>
           <a:p>
             <a:pPr lvl="3"/>
@@ -1975,6 +1261,7 @@
               <a:rPr lang="ja-JP" altLang="en-US"/>
               <a:t>レベル</a:t>
             </a:r>
+            <a:endParaRPr lang="ja-JP" altLang="en-US"/>
           </a:p>
           <a:p>
             <a:pPr lvl="4"/>
@@ -1996,13 +1283,7 @@
       </p:sp>
       <p:sp>
         <p:nvSpPr>
-          <p:cNvPr id="4" name="コンテンツ プレースホルダー 3">
-            <a:extLst>
-              <a:ext uri="{FF2B5EF4-FFF2-40B4-BE49-F238E27FC236}">
-                <a16:creationId xmlns:a16="http://schemas.microsoft.com/office/drawing/2014/main" id="{7CD52181-E0B9-4D7B-B2BC-877CAA57EF7F}"/>
-              </a:ext>
-            </a:extLst>
-          </p:cNvPr>
+          <p:cNvPr id="4" name="コンテンツ プレースホルダー 3"/>
           <p:cNvSpPr>
             <a:spLocks noGrp="1"/>
           </p:cNvSpPr>
@@ -2025,6 +1306,7 @@
               <a:rPr lang="ja-JP" altLang="en-US"/>
               <a:t>マスター テキストの書式設定</a:t>
             </a:r>
+            <a:endParaRPr lang="ja-JP" altLang="en-US"/>
           </a:p>
           <a:p>
             <a:pPr lvl="1"/>
@@ -2040,6 +1322,7 @@
               <a:rPr lang="ja-JP" altLang="en-US"/>
               <a:t>レベル</a:t>
             </a:r>
+            <a:endParaRPr lang="ja-JP" altLang="en-US"/>
           </a:p>
           <a:p>
             <a:pPr lvl="2"/>
@@ -2055,6 +1338,7 @@
               <a:rPr lang="ja-JP" altLang="en-US"/>
               <a:t>レベル</a:t>
             </a:r>
+            <a:endParaRPr lang="ja-JP" altLang="en-US"/>
           </a:p>
           <a:p>
             <a:pPr lvl="3"/>
@@ -2070,6 +1354,7 @@
               <a:rPr lang="ja-JP" altLang="en-US"/>
               <a:t>レベル</a:t>
             </a:r>
+            <a:endParaRPr lang="ja-JP" altLang="en-US"/>
           </a:p>
           <a:p>
             <a:pPr lvl="4"/>
@@ -2091,13 +1376,7 @@
       </p:sp>
       <p:sp>
         <p:nvSpPr>
-          <p:cNvPr id="5" name="日付プレースホルダー 4">
-            <a:extLst>
-              <a:ext uri="{FF2B5EF4-FFF2-40B4-BE49-F238E27FC236}">
-                <a16:creationId xmlns:a16="http://schemas.microsoft.com/office/drawing/2014/main" id="{C5F32264-CD57-4FD3-9C8F-CBDC43601904}"/>
-              </a:ext>
-            </a:extLst>
-          </p:cNvPr>
+          <p:cNvPr id="5" name="日付プレースホルダー 4"/>
           <p:cNvSpPr>
             <a:spLocks noGrp="1"/>
           </p:cNvSpPr>
@@ -2112,7 +1391,6 @@
           <a:p>
             <a:fld id="{C429C7FD-4840-466D-B162-85B963FBD148}" type="datetimeFigureOut">
               <a:rPr lang="en-US" smtClean="0"/>
-              <a:t>3/10/2023</a:t>
             </a:fld>
             <a:endParaRPr lang="en-US"/>
           </a:p>
@@ -2120,13 +1398,7 @@
       </p:sp>
       <p:sp>
         <p:nvSpPr>
-          <p:cNvPr id="6" name="フッター プレースホルダー 5">
-            <a:extLst>
-              <a:ext uri="{FF2B5EF4-FFF2-40B4-BE49-F238E27FC236}">
-                <a16:creationId xmlns:a16="http://schemas.microsoft.com/office/drawing/2014/main" id="{43CE8BFB-6F2E-460A-88B8-8961C8392251}"/>
-              </a:ext>
-            </a:extLst>
-          </p:cNvPr>
+          <p:cNvPr id="6" name="フッター プレースホルダー 5"/>
           <p:cNvSpPr>
             <a:spLocks noGrp="1"/>
           </p:cNvSpPr>
@@ -2145,13 +1417,7 @@
       </p:sp>
       <p:sp>
         <p:nvSpPr>
-          <p:cNvPr id="7" name="スライド番号プレースホルダー 6">
-            <a:extLst>
-              <a:ext uri="{FF2B5EF4-FFF2-40B4-BE49-F238E27FC236}">
-                <a16:creationId xmlns:a16="http://schemas.microsoft.com/office/drawing/2014/main" id="{233E7DC2-32A6-4455-A5B4-6F1845996E32}"/>
-              </a:ext>
-            </a:extLst>
-          </p:cNvPr>
+          <p:cNvPr id="7" name="スライド番号プレースホルダー 6"/>
           <p:cNvSpPr>
             <a:spLocks noGrp="1"/>
           </p:cNvSpPr>
@@ -2166,18 +1432,12 @@
           <a:p>
             <a:fld id="{562F1399-25CD-466E-94DA-A7F7087E3954}" type="slidenum">
               <a:rPr lang="en-US" smtClean="0"/>
-              <a:t>‹#›</a:t>
             </a:fld>
             <a:endParaRPr lang="en-US"/>
           </a:p>
         </p:txBody>
       </p:sp>
     </p:spTree>
-    <p:extLst>
-      <p:ext uri="{BB962C8B-B14F-4D97-AF65-F5344CB8AC3E}">
-        <p14:creationId xmlns:p14="http://schemas.microsoft.com/office/powerpoint/2010/main" val="1629360363"/>
-      </p:ext>
-    </p:extLst>
   </p:cSld>
   <p:clrMapOvr>
     <a:masterClrMapping/>
@@ -2204,13 +1464,7 @@
       </p:grpSpPr>
       <p:sp>
         <p:nvSpPr>
-          <p:cNvPr id="2" name="タイトル 1">
-            <a:extLst>
-              <a:ext uri="{FF2B5EF4-FFF2-40B4-BE49-F238E27FC236}">
-                <a16:creationId xmlns:a16="http://schemas.microsoft.com/office/drawing/2014/main" id="{2064B796-E608-4F99-A48B-9F45748F66E5}"/>
-              </a:ext>
-            </a:extLst>
-          </p:cNvPr>
+          <p:cNvPr id="2" name="タイトル 1"/>
           <p:cNvSpPr>
             <a:spLocks noGrp="1"/>
           </p:cNvSpPr>
@@ -2238,13 +1492,7 @@
       </p:sp>
       <p:sp>
         <p:nvSpPr>
-          <p:cNvPr id="3" name="テキスト プレースホルダー 2">
-            <a:extLst>
-              <a:ext uri="{FF2B5EF4-FFF2-40B4-BE49-F238E27FC236}">
-                <a16:creationId xmlns:a16="http://schemas.microsoft.com/office/drawing/2014/main" id="{25C587D7-F5A4-49AD-A18F-93EB8E0BFF8B}"/>
-              </a:ext>
-            </a:extLst>
-          </p:cNvPr>
+          <p:cNvPr id="3" name="テキスト プレースホルダー 2"/>
           <p:cNvSpPr>
             <a:spLocks noGrp="1"/>
           </p:cNvSpPr>
@@ -2304,18 +1552,13 @@
               <a:rPr lang="ja-JP" altLang="en-US"/>
               <a:t>マスター テキストの書式設定</a:t>
             </a:r>
-          </a:p>
-        </p:txBody>
-      </p:sp>
-      <p:sp>
-        <p:nvSpPr>
-          <p:cNvPr id="4" name="コンテンツ プレースホルダー 3">
-            <a:extLst>
-              <a:ext uri="{FF2B5EF4-FFF2-40B4-BE49-F238E27FC236}">
-                <a16:creationId xmlns:a16="http://schemas.microsoft.com/office/drawing/2014/main" id="{310F03EE-FB47-47DB-BBD5-694E32B77F2B}"/>
-              </a:ext>
-            </a:extLst>
-          </p:cNvPr>
+            <a:endParaRPr lang="ja-JP" altLang="en-US"/>
+          </a:p>
+        </p:txBody>
+      </p:sp>
+      <p:sp>
+        <p:nvSpPr>
+          <p:cNvPr id="4" name="コンテンツ プレースホルダー 3"/>
           <p:cNvSpPr>
             <a:spLocks noGrp="1"/>
           </p:cNvSpPr>
@@ -2338,6 +1581,7 @@
               <a:rPr lang="ja-JP" altLang="en-US"/>
               <a:t>マスター テキストの書式設定</a:t>
             </a:r>
+            <a:endParaRPr lang="ja-JP" altLang="en-US"/>
           </a:p>
           <a:p>
             <a:pPr lvl="1"/>
@@ -2353,6 +1597,7 @@
               <a:rPr lang="ja-JP" altLang="en-US"/>
               <a:t>レベル</a:t>
             </a:r>
+            <a:endParaRPr lang="ja-JP" altLang="en-US"/>
           </a:p>
           <a:p>
             <a:pPr lvl="2"/>
@@ -2368,6 +1613,7 @@
               <a:rPr lang="ja-JP" altLang="en-US"/>
               <a:t>レベル</a:t>
             </a:r>
+            <a:endParaRPr lang="ja-JP" altLang="en-US"/>
           </a:p>
           <a:p>
             <a:pPr lvl="3"/>
@@ -2383,6 +1629,7 @@
               <a:rPr lang="ja-JP" altLang="en-US"/>
               <a:t>レベル</a:t>
             </a:r>
+            <a:endParaRPr lang="ja-JP" altLang="en-US"/>
           </a:p>
           <a:p>
             <a:pPr lvl="4"/>
@@ -2404,13 +1651,7 @@
       </p:sp>
       <p:sp>
         <p:nvSpPr>
-          <p:cNvPr id="5" name="テキスト プレースホルダー 4">
-            <a:extLst>
-              <a:ext uri="{FF2B5EF4-FFF2-40B4-BE49-F238E27FC236}">
-                <a16:creationId xmlns:a16="http://schemas.microsoft.com/office/drawing/2014/main" id="{708FCD38-12B1-480E-8FB9-8923EC49218F}"/>
-              </a:ext>
-            </a:extLst>
-          </p:cNvPr>
+          <p:cNvPr id="5" name="テキスト プレースホルダー 4"/>
           <p:cNvSpPr>
             <a:spLocks noGrp="1"/>
           </p:cNvSpPr>
@@ -2470,18 +1711,13 @@
               <a:rPr lang="ja-JP" altLang="en-US"/>
               <a:t>マスター テキストの書式設定</a:t>
             </a:r>
-          </a:p>
-        </p:txBody>
-      </p:sp>
-      <p:sp>
-        <p:nvSpPr>
-          <p:cNvPr id="6" name="コンテンツ プレースホルダー 5">
-            <a:extLst>
-              <a:ext uri="{FF2B5EF4-FFF2-40B4-BE49-F238E27FC236}">
-                <a16:creationId xmlns:a16="http://schemas.microsoft.com/office/drawing/2014/main" id="{61CBDADF-095C-4907-91BE-95D748F910CD}"/>
-              </a:ext>
-            </a:extLst>
-          </p:cNvPr>
+            <a:endParaRPr lang="ja-JP" altLang="en-US"/>
+          </a:p>
+        </p:txBody>
+      </p:sp>
+      <p:sp>
+        <p:nvSpPr>
+          <p:cNvPr id="6" name="コンテンツ プレースホルダー 5"/>
           <p:cNvSpPr>
             <a:spLocks noGrp="1"/>
           </p:cNvSpPr>
@@ -2504,6 +1740,7 @@
               <a:rPr lang="ja-JP" altLang="en-US"/>
               <a:t>マスター テキストの書式設定</a:t>
             </a:r>
+            <a:endParaRPr lang="ja-JP" altLang="en-US"/>
           </a:p>
           <a:p>
             <a:pPr lvl="1"/>
@@ -2519,6 +1756,7 @@
               <a:rPr lang="ja-JP" altLang="en-US"/>
               <a:t>レベル</a:t>
             </a:r>
+            <a:endParaRPr lang="ja-JP" altLang="en-US"/>
           </a:p>
           <a:p>
             <a:pPr lvl="2"/>
@@ -2534,6 +1772,7 @@
               <a:rPr lang="ja-JP" altLang="en-US"/>
               <a:t>レベル</a:t>
             </a:r>
+            <a:endParaRPr lang="ja-JP" altLang="en-US"/>
           </a:p>
           <a:p>
             <a:pPr lvl="3"/>
@@ -2549,6 +1788,7 @@
               <a:rPr lang="ja-JP" altLang="en-US"/>
               <a:t>レベル</a:t>
             </a:r>
+            <a:endParaRPr lang="ja-JP" altLang="en-US"/>
           </a:p>
           <a:p>
             <a:pPr lvl="4"/>
@@ -2570,13 +1810,7 @@
       </p:sp>
       <p:sp>
         <p:nvSpPr>
-          <p:cNvPr id="7" name="日付プレースホルダー 6">
-            <a:extLst>
-              <a:ext uri="{FF2B5EF4-FFF2-40B4-BE49-F238E27FC236}">
-                <a16:creationId xmlns:a16="http://schemas.microsoft.com/office/drawing/2014/main" id="{A9D54944-1F00-45A0-9C45-2C9790099873}"/>
-              </a:ext>
-            </a:extLst>
-          </p:cNvPr>
+          <p:cNvPr id="7" name="日付プレースホルダー 6"/>
           <p:cNvSpPr>
             <a:spLocks noGrp="1"/>
           </p:cNvSpPr>
@@ -2591,7 +1825,6 @@
           <a:p>
             <a:fld id="{C429C7FD-4840-466D-B162-85B963FBD148}" type="datetimeFigureOut">
               <a:rPr lang="en-US" smtClean="0"/>
-              <a:t>3/10/2023</a:t>
             </a:fld>
             <a:endParaRPr lang="en-US"/>
           </a:p>
@@ -2599,13 +1832,7 @@
       </p:sp>
       <p:sp>
         <p:nvSpPr>
-          <p:cNvPr id="8" name="フッター プレースホルダー 7">
-            <a:extLst>
-              <a:ext uri="{FF2B5EF4-FFF2-40B4-BE49-F238E27FC236}">
-                <a16:creationId xmlns:a16="http://schemas.microsoft.com/office/drawing/2014/main" id="{F08796BE-98D5-4AD7-B738-06088B505764}"/>
-              </a:ext>
-            </a:extLst>
-          </p:cNvPr>
+          <p:cNvPr id="8" name="フッター プレースホルダー 7"/>
           <p:cNvSpPr>
             <a:spLocks noGrp="1"/>
           </p:cNvSpPr>
@@ -2624,13 +1851,7 @@
       </p:sp>
       <p:sp>
         <p:nvSpPr>
-          <p:cNvPr id="9" name="スライド番号プレースホルダー 8">
-            <a:extLst>
-              <a:ext uri="{FF2B5EF4-FFF2-40B4-BE49-F238E27FC236}">
-                <a16:creationId xmlns:a16="http://schemas.microsoft.com/office/drawing/2014/main" id="{6250ED0C-8D3C-433A-92E4-F6A073DC21E8}"/>
-              </a:ext>
-            </a:extLst>
-          </p:cNvPr>
+          <p:cNvPr id="9" name="スライド番号プレースホルダー 8"/>
           <p:cNvSpPr>
             <a:spLocks noGrp="1"/>
           </p:cNvSpPr>
@@ -2645,18 +1866,12 @@
           <a:p>
             <a:fld id="{562F1399-25CD-466E-94DA-A7F7087E3954}" type="slidenum">
               <a:rPr lang="en-US" smtClean="0"/>
-              <a:t>‹#›</a:t>
             </a:fld>
             <a:endParaRPr lang="en-US"/>
           </a:p>
         </p:txBody>
       </p:sp>
     </p:spTree>
-    <p:extLst>
-      <p:ext uri="{BB962C8B-B14F-4D97-AF65-F5344CB8AC3E}">
-        <p14:creationId xmlns:p14="http://schemas.microsoft.com/office/powerpoint/2010/main" val="891149597"/>
-      </p:ext>
-    </p:extLst>
   </p:cSld>
   <p:clrMapOvr>
     <a:masterClrMapping/>
@@ -2683,13 +1898,7 @@
       </p:grpSpPr>
       <p:sp>
         <p:nvSpPr>
-          <p:cNvPr id="2" name="タイトル 1">
-            <a:extLst>
-              <a:ext uri="{FF2B5EF4-FFF2-40B4-BE49-F238E27FC236}">
-                <a16:creationId xmlns:a16="http://schemas.microsoft.com/office/drawing/2014/main" id="{869C27D9-6213-4EF2-907C-08CB3EC911EE}"/>
-              </a:ext>
-            </a:extLst>
-          </p:cNvPr>
+          <p:cNvPr id="2" name="タイトル 1"/>
           <p:cNvSpPr>
             <a:spLocks noGrp="1"/>
           </p:cNvSpPr>
@@ -2712,13 +1921,7 @@
       </p:sp>
       <p:sp>
         <p:nvSpPr>
-          <p:cNvPr id="3" name="日付プレースホルダー 2">
-            <a:extLst>
-              <a:ext uri="{FF2B5EF4-FFF2-40B4-BE49-F238E27FC236}">
-                <a16:creationId xmlns:a16="http://schemas.microsoft.com/office/drawing/2014/main" id="{485FF1B8-6956-41D8-8319-4BC14B430B7C}"/>
-              </a:ext>
-            </a:extLst>
-          </p:cNvPr>
+          <p:cNvPr id="3" name="日付プレースホルダー 2"/>
           <p:cNvSpPr>
             <a:spLocks noGrp="1"/>
           </p:cNvSpPr>
@@ -2733,7 +1936,6 @@
           <a:p>
             <a:fld id="{C429C7FD-4840-466D-B162-85B963FBD148}" type="datetimeFigureOut">
               <a:rPr lang="en-US" smtClean="0"/>
-              <a:t>3/10/2023</a:t>
             </a:fld>
             <a:endParaRPr lang="en-US"/>
           </a:p>
@@ -2741,13 +1943,7 @@
       </p:sp>
       <p:sp>
         <p:nvSpPr>
-          <p:cNvPr id="4" name="フッター プレースホルダー 3">
-            <a:extLst>
-              <a:ext uri="{FF2B5EF4-FFF2-40B4-BE49-F238E27FC236}">
-                <a16:creationId xmlns:a16="http://schemas.microsoft.com/office/drawing/2014/main" id="{F8D723C0-2D6E-4B63-8B1B-68637E6EC71D}"/>
-              </a:ext>
-            </a:extLst>
-          </p:cNvPr>
+          <p:cNvPr id="4" name="フッター プレースホルダー 3"/>
           <p:cNvSpPr>
             <a:spLocks noGrp="1"/>
           </p:cNvSpPr>
@@ -2766,13 +1962,7 @@
       </p:sp>
       <p:sp>
         <p:nvSpPr>
-          <p:cNvPr id="5" name="スライド番号プレースホルダー 4">
-            <a:extLst>
-              <a:ext uri="{FF2B5EF4-FFF2-40B4-BE49-F238E27FC236}">
-                <a16:creationId xmlns:a16="http://schemas.microsoft.com/office/drawing/2014/main" id="{ECF89989-30C9-46FE-BD98-B5C0C0456D6E}"/>
-              </a:ext>
-            </a:extLst>
-          </p:cNvPr>
+          <p:cNvPr id="5" name="スライド番号プレースホルダー 4"/>
           <p:cNvSpPr>
             <a:spLocks noGrp="1"/>
           </p:cNvSpPr>
@@ -2787,18 +1977,12 @@
           <a:p>
             <a:fld id="{562F1399-25CD-466E-94DA-A7F7087E3954}" type="slidenum">
               <a:rPr lang="en-US" smtClean="0"/>
-              <a:t>‹#›</a:t>
             </a:fld>
             <a:endParaRPr lang="en-US"/>
           </a:p>
         </p:txBody>
       </p:sp>
     </p:spTree>
-    <p:extLst>
-      <p:ext uri="{BB962C8B-B14F-4D97-AF65-F5344CB8AC3E}">
-        <p14:creationId xmlns:p14="http://schemas.microsoft.com/office/powerpoint/2010/main" val="3360986592"/>
-      </p:ext>
-    </p:extLst>
   </p:cSld>
   <p:clrMapOvr>
     <a:masterClrMapping/>
@@ -2825,13 +2009,7 @@
       </p:grpSpPr>
       <p:sp>
         <p:nvSpPr>
-          <p:cNvPr id="2" name="日付プレースホルダー 1">
-            <a:extLst>
-              <a:ext uri="{FF2B5EF4-FFF2-40B4-BE49-F238E27FC236}">
-                <a16:creationId xmlns:a16="http://schemas.microsoft.com/office/drawing/2014/main" id="{EFA45D4C-5C38-432C-A125-623FC0953127}"/>
-              </a:ext>
-            </a:extLst>
-          </p:cNvPr>
+          <p:cNvPr id="2" name="日付プレースホルダー 1"/>
           <p:cNvSpPr>
             <a:spLocks noGrp="1"/>
           </p:cNvSpPr>
@@ -2846,7 +2024,6 @@
           <a:p>
             <a:fld id="{C429C7FD-4840-466D-B162-85B963FBD148}" type="datetimeFigureOut">
               <a:rPr lang="en-US" smtClean="0"/>
-              <a:t>3/10/2023</a:t>
             </a:fld>
             <a:endParaRPr lang="en-US"/>
           </a:p>
@@ -2854,13 +2031,7 @@
       </p:sp>
       <p:sp>
         <p:nvSpPr>
-          <p:cNvPr id="3" name="フッター プレースホルダー 2">
-            <a:extLst>
-              <a:ext uri="{FF2B5EF4-FFF2-40B4-BE49-F238E27FC236}">
-                <a16:creationId xmlns:a16="http://schemas.microsoft.com/office/drawing/2014/main" id="{944A98CC-103D-47C4-98A6-22EA79F23880}"/>
-              </a:ext>
-            </a:extLst>
-          </p:cNvPr>
+          <p:cNvPr id="3" name="フッター プレースホルダー 2"/>
           <p:cNvSpPr>
             <a:spLocks noGrp="1"/>
           </p:cNvSpPr>
@@ -2879,13 +2050,7 @@
       </p:sp>
       <p:sp>
         <p:nvSpPr>
-          <p:cNvPr id="4" name="スライド番号プレースホルダー 3">
-            <a:extLst>
-              <a:ext uri="{FF2B5EF4-FFF2-40B4-BE49-F238E27FC236}">
-                <a16:creationId xmlns:a16="http://schemas.microsoft.com/office/drawing/2014/main" id="{BF7A395A-2388-46DC-9A28-5AF7CF6AB602}"/>
-              </a:ext>
-            </a:extLst>
-          </p:cNvPr>
+          <p:cNvPr id="4" name="スライド番号プレースホルダー 3"/>
           <p:cNvSpPr>
             <a:spLocks noGrp="1"/>
           </p:cNvSpPr>
@@ -2900,18 +2065,12 @@
           <a:p>
             <a:fld id="{562F1399-25CD-466E-94DA-A7F7087E3954}" type="slidenum">
               <a:rPr lang="en-US" smtClean="0"/>
-              <a:t>‹#›</a:t>
             </a:fld>
             <a:endParaRPr lang="en-US"/>
           </a:p>
         </p:txBody>
       </p:sp>
     </p:spTree>
-    <p:extLst>
-      <p:ext uri="{BB962C8B-B14F-4D97-AF65-F5344CB8AC3E}">
-        <p14:creationId xmlns:p14="http://schemas.microsoft.com/office/powerpoint/2010/main" val="1087843994"/>
-      </p:ext>
-    </p:extLst>
   </p:cSld>
   <p:clrMapOvr>
     <a:masterClrMapping/>
@@ -2938,13 +2097,7 @@
       </p:grpSpPr>
       <p:sp>
         <p:nvSpPr>
-          <p:cNvPr id="2" name="タイトル 1">
-            <a:extLst>
-              <a:ext uri="{FF2B5EF4-FFF2-40B4-BE49-F238E27FC236}">
-                <a16:creationId xmlns:a16="http://schemas.microsoft.com/office/drawing/2014/main" id="{642C0585-3E25-4C74-9285-905B1ECED186}"/>
-              </a:ext>
-            </a:extLst>
-          </p:cNvPr>
+          <p:cNvPr id="2" name="タイトル 1"/>
           <p:cNvSpPr>
             <a:spLocks noGrp="1"/>
           </p:cNvSpPr>
@@ -2976,13 +2129,7 @@
       </p:sp>
       <p:sp>
         <p:nvSpPr>
-          <p:cNvPr id="3" name="コンテンツ プレースホルダー 2">
-            <a:extLst>
-              <a:ext uri="{FF2B5EF4-FFF2-40B4-BE49-F238E27FC236}">
-                <a16:creationId xmlns:a16="http://schemas.microsoft.com/office/drawing/2014/main" id="{86B30EB9-6B44-43BA-93C7-0F906FA89FB4}"/>
-              </a:ext>
-            </a:extLst>
-          </p:cNvPr>
+          <p:cNvPr id="3" name="コンテンツ プレースホルダー 2"/>
           <p:cNvSpPr>
             <a:spLocks noGrp="1"/>
           </p:cNvSpPr>
@@ -3033,6 +2180,7 @@
               <a:rPr lang="ja-JP" altLang="en-US"/>
               <a:t>マスター テキストの書式設定</a:t>
             </a:r>
+            <a:endParaRPr lang="ja-JP" altLang="en-US"/>
           </a:p>
           <a:p>
             <a:pPr lvl="1"/>
@@ -3048,6 +2196,7 @@
               <a:rPr lang="ja-JP" altLang="en-US"/>
               <a:t>レベル</a:t>
             </a:r>
+            <a:endParaRPr lang="ja-JP" altLang="en-US"/>
           </a:p>
           <a:p>
             <a:pPr lvl="2"/>
@@ -3063,6 +2212,7 @@
               <a:rPr lang="ja-JP" altLang="en-US"/>
               <a:t>レベル</a:t>
             </a:r>
+            <a:endParaRPr lang="ja-JP" altLang="en-US"/>
           </a:p>
           <a:p>
             <a:pPr lvl="3"/>
@@ -3078,6 +2228,7 @@
               <a:rPr lang="ja-JP" altLang="en-US"/>
               <a:t>レベル</a:t>
             </a:r>
+            <a:endParaRPr lang="ja-JP" altLang="en-US"/>
           </a:p>
           <a:p>
             <a:pPr lvl="4"/>
@@ -3099,13 +2250,7 @@
       </p:sp>
       <p:sp>
         <p:nvSpPr>
-          <p:cNvPr id="4" name="テキスト プレースホルダー 3">
-            <a:extLst>
-              <a:ext uri="{FF2B5EF4-FFF2-40B4-BE49-F238E27FC236}">
-                <a16:creationId xmlns:a16="http://schemas.microsoft.com/office/drawing/2014/main" id="{8CE6343C-F596-4699-B45F-9A3A06BE8AA0}"/>
-              </a:ext>
-            </a:extLst>
-          </p:cNvPr>
+          <p:cNvPr id="4" name="テキスト プレースホルダー 3"/>
           <p:cNvSpPr>
             <a:spLocks noGrp="1"/>
           </p:cNvSpPr>
@@ -3165,18 +2310,13 @@
               <a:rPr lang="ja-JP" altLang="en-US"/>
               <a:t>マスター テキストの書式設定</a:t>
             </a:r>
-          </a:p>
-        </p:txBody>
-      </p:sp>
-      <p:sp>
-        <p:nvSpPr>
-          <p:cNvPr id="5" name="日付プレースホルダー 4">
-            <a:extLst>
-              <a:ext uri="{FF2B5EF4-FFF2-40B4-BE49-F238E27FC236}">
-                <a16:creationId xmlns:a16="http://schemas.microsoft.com/office/drawing/2014/main" id="{EB71981F-FC0D-4429-85FE-79C79CD21B78}"/>
-              </a:ext>
-            </a:extLst>
-          </p:cNvPr>
+            <a:endParaRPr lang="ja-JP" altLang="en-US"/>
+          </a:p>
+        </p:txBody>
+      </p:sp>
+      <p:sp>
+        <p:nvSpPr>
+          <p:cNvPr id="5" name="日付プレースホルダー 4"/>
           <p:cNvSpPr>
             <a:spLocks noGrp="1"/>
           </p:cNvSpPr>
@@ -3191,7 +2331,6 @@
           <a:p>
             <a:fld id="{C429C7FD-4840-466D-B162-85B963FBD148}" type="datetimeFigureOut">
               <a:rPr lang="en-US" smtClean="0"/>
-              <a:t>3/10/2023</a:t>
             </a:fld>
             <a:endParaRPr lang="en-US"/>
           </a:p>
@@ -3199,13 +2338,7 @@
       </p:sp>
       <p:sp>
         <p:nvSpPr>
-          <p:cNvPr id="6" name="フッター プレースホルダー 5">
-            <a:extLst>
-              <a:ext uri="{FF2B5EF4-FFF2-40B4-BE49-F238E27FC236}">
-                <a16:creationId xmlns:a16="http://schemas.microsoft.com/office/drawing/2014/main" id="{0DB1EFBE-6D9A-4F2D-92E2-6607B70CB9CF}"/>
-              </a:ext>
-            </a:extLst>
-          </p:cNvPr>
+          <p:cNvPr id="6" name="フッター プレースホルダー 5"/>
           <p:cNvSpPr>
             <a:spLocks noGrp="1"/>
           </p:cNvSpPr>
@@ -3224,13 +2357,7 @@
       </p:sp>
       <p:sp>
         <p:nvSpPr>
-          <p:cNvPr id="7" name="スライド番号プレースホルダー 6">
-            <a:extLst>
-              <a:ext uri="{FF2B5EF4-FFF2-40B4-BE49-F238E27FC236}">
-                <a16:creationId xmlns:a16="http://schemas.microsoft.com/office/drawing/2014/main" id="{B0706314-9A49-41D2-AE4C-8AE09DA478C6}"/>
-              </a:ext>
-            </a:extLst>
-          </p:cNvPr>
+          <p:cNvPr id="7" name="スライド番号プレースホルダー 6"/>
           <p:cNvSpPr>
             <a:spLocks noGrp="1"/>
           </p:cNvSpPr>
@@ -3245,18 +2372,12 @@
           <a:p>
             <a:fld id="{562F1399-25CD-466E-94DA-A7F7087E3954}" type="slidenum">
               <a:rPr lang="en-US" smtClean="0"/>
-              <a:t>‹#›</a:t>
             </a:fld>
             <a:endParaRPr lang="en-US"/>
           </a:p>
         </p:txBody>
       </p:sp>
     </p:spTree>
-    <p:extLst>
-      <p:ext uri="{BB962C8B-B14F-4D97-AF65-F5344CB8AC3E}">
-        <p14:creationId xmlns:p14="http://schemas.microsoft.com/office/powerpoint/2010/main" val="4095742618"/>
-      </p:ext>
-    </p:extLst>
   </p:cSld>
   <p:clrMapOvr>
     <a:masterClrMapping/>
@@ -3283,13 +2404,7 @@
       </p:grpSpPr>
       <p:sp>
         <p:nvSpPr>
-          <p:cNvPr id="2" name="タイトル 1">
-            <a:extLst>
-              <a:ext uri="{FF2B5EF4-FFF2-40B4-BE49-F238E27FC236}">
-                <a16:creationId xmlns:a16="http://schemas.microsoft.com/office/drawing/2014/main" id="{3166821D-0DAB-4B11-A261-B39AA94CBCE8}"/>
-              </a:ext>
-            </a:extLst>
-          </p:cNvPr>
+          <p:cNvPr id="2" name="タイトル 1"/>
           <p:cNvSpPr>
             <a:spLocks noGrp="1"/>
           </p:cNvSpPr>
@@ -3321,13 +2436,7 @@
       </p:sp>
       <p:sp>
         <p:nvSpPr>
-          <p:cNvPr id="3" name="図プレースホルダー 2">
-            <a:extLst>
-              <a:ext uri="{FF2B5EF4-FFF2-40B4-BE49-F238E27FC236}">
-                <a16:creationId xmlns:a16="http://schemas.microsoft.com/office/drawing/2014/main" id="{87F3FA5A-B47D-4D5D-B04F-20E634FAFC5A}"/>
-              </a:ext>
-            </a:extLst>
-          </p:cNvPr>
+          <p:cNvPr id="3" name="図プレースホルダー 2"/>
           <p:cNvSpPr>
             <a:spLocks noGrp="1"/>
           </p:cNvSpPr>
@@ -3388,13 +2497,7 @@
       </p:sp>
       <p:sp>
         <p:nvSpPr>
-          <p:cNvPr id="4" name="テキスト プレースホルダー 3">
-            <a:extLst>
-              <a:ext uri="{FF2B5EF4-FFF2-40B4-BE49-F238E27FC236}">
-                <a16:creationId xmlns:a16="http://schemas.microsoft.com/office/drawing/2014/main" id="{5366BAE6-040C-4725-811B-E3B89B3BFB0E}"/>
-              </a:ext>
-            </a:extLst>
-          </p:cNvPr>
+          <p:cNvPr id="4" name="テキスト プレースホルダー 3"/>
           <p:cNvSpPr>
             <a:spLocks noGrp="1"/>
           </p:cNvSpPr>
@@ -3454,18 +2557,13 @@
               <a:rPr lang="ja-JP" altLang="en-US"/>
               <a:t>マスター テキストの書式設定</a:t>
             </a:r>
-          </a:p>
-        </p:txBody>
-      </p:sp>
-      <p:sp>
-        <p:nvSpPr>
-          <p:cNvPr id="5" name="日付プレースホルダー 4">
-            <a:extLst>
-              <a:ext uri="{FF2B5EF4-FFF2-40B4-BE49-F238E27FC236}">
-                <a16:creationId xmlns:a16="http://schemas.microsoft.com/office/drawing/2014/main" id="{CE098E9E-6597-428A-B058-7D2715B96D5E}"/>
-              </a:ext>
-            </a:extLst>
-          </p:cNvPr>
+            <a:endParaRPr lang="ja-JP" altLang="en-US"/>
+          </a:p>
+        </p:txBody>
+      </p:sp>
+      <p:sp>
+        <p:nvSpPr>
+          <p:cNvPr id="5" name="日付プレースホルダー 4"/>
           <p:cNvSpPr>
             <a:spLocks noGrp="1"/>
           </p:cNvSpPr>
@@ -3480,7 +2578,6 @@
           <a:p>
             <a:fld id="{C429C7FD-4840-466D-B162-85B963FBD148}" type="datetimeFigureOut">
               <a:rPr lang="en-US" smtClean="0"/>
-              <a:t>3/10/2023</a:t>
             </a:fld>
             <a:endParaRPr lang="en-US"/>
           </a:p>
@@ -3488,13 +2585,7 @@
       </p:sp>
       <p:sp>
         <p:nvSpPr>
-          <p:cNvPr id="6" name="フッター プレースホルダー 5">
-            <a:extLst>
-              <a:ext uri="{FF2B5EF4-FFF2-40B4-BE49-F238E27FC236}">
-                <a16:creationId xmlns:a16="http://schemas.microsoft.com/office/drawing/2014/main" id="{58D6C649-368D-419F-A5D5-220B365AD231}"/>
-              </a:ext>
-            </a:extLst>
-          </p:cNvPr>
+          <p:cNvPr id="6" name="フッター プレースホルダー 5"/>
           <p:cNvSpPr>
             <a:spLocks noGrp="1"/>
           </p:cNvSpPr>
@@ -3513,13 +2604,7 @@
       </p:sp>
       <p:sp>
         <p:nvSpPr>
-          <p:cNvPr id="7" name="スライド番号プレースホルダー 6">
-            <a:extLst>
-              <a:ext uri="{FF2B5EF4-FFF2-40B4-BE49-F238E27FC236}">
-                <a16:creationId xmlns:a16="http://schemas.microsoft.com/office/drawing/2014/main" id="{DBF44CEE-8D8A-4BEE-928C-DD019FECE815}"/>
-              </a:ext>
-            </a:extLst>
-          </p:cNvPr>
+          <p:cNvPr id="7" name="スライド番号プレースホルダー 6"/>
           <p:cNvSpPr>
             <a:spLocks noGrp="1"/>
           </p:cNvSpPr>
@@ -3534,18 +2619,12 @@
           <a:p>
             <a:fld id="{562F1399-25CD-466E-94DA-A7F7087E3954}" type="slidenum">
               <a:rPr lang="en-US" smtClean="0"/>
-              <a:t>‹#›</a:t>
             </a:fld>
             <a:endParaRPr lang="en-US"/>
           </a:p>
         </p:txBody>
       </p:sp>
     </p:spTree>
-    <p:extLst>
-      <p:ext uri="{BB962C8B-B14F-4D97-AF65-F5344CB8AC3E}">
-        <p14:creationId xmlns:p14="http://schemas.microsoft.com/office/powerpoint/2010/main" val="3542492654"/>
-      </p:ext>
-    </p:extLst>
   </p:cSld>
   <p:clrMapOvr>
     <a:masterClrMapping/>
@@ -3577,13 +2656,7 @@
       </p:grpSpPr>
       <p:sp>
         <p:nvSpPr>
-          <p:cNvPr id="2" name="タイトル プレースホルダー 1">
-            <a:extLst>
-              <a:ext uri="{FF2B5EF4-FFF2-40B4-BE49-F238E27FC236}">
-                <a16:creationId xmlns:a16="http://schemas.microsoft.com/office/drawing/2014/main" id="{39116942-923C-4F4A-B83E-33DEE0C4C203}"/>
-              </a:ext>
-            </a:extLst>
-          </p:cNvPr>
+          <p:cNvPr id="2" name="タイトル プレースホルダー 1"/>
           <p:cNvSpPr>
             <a:spLocks noGrp="1"/>
           </p:cNvSpPr>
@@ -3616,13 +2689,7 @@
       </p:sp>
       <p:sp>
         <p:nvSpPr>
-          <p:cNvPr id="3" name="テキスト プレースホルダー 2">
-            <a:extLst>
-              <a:ext uri="{FF2B5EF4-FFF2-40B4-BE49-F238E27FC236}">
-                <a16:creationId xmlns:a16="http://schemas.microsoft.com/office/drawing/2014/main" id="{E9F55525-2DD9-41E1-B3B1-25A45EBFE6FD}"/>
-              </a:ext>
-            </a:extLst>
-          </p:cNvPr>
+          <p:cNvPr id="3" name="テキスト プレースホルダー 2"/>
           <p:cNvSpPr>
             <a:spLocks noGrp="1"/>
           </p:cNvSpPr>
@@ -3650,6 +2717,7 @@
               <a:rPr lang="ja-JP" altLang="en-US"/>
               <a:t>マスター テキストの書式設定</a:t>
             </a:r>
+            <a:endParaRPr lang="ja-JP" altLang="en-US"/>
           </a:p>
           <a:p>
             <a:pPr lvl="1"/>
@@ -3665,6 +2733,7 @@
               <a:rPr lang="ja-JP" altLang="en-US"/>
               <a:t>レベル</a:t>
             </a:r>
+            <a:endParaRPr lang="ja-JP" altLang="en-US"/>
           </a:p>
           <a:p>
             <a:pPr lvl="2"/>
@@ -3680,6 +2749,7 @@
               <a:rPr lang="ja-JP" altLang="en-US"/>
               <a:t>レベル</a:t>
             </a:r>
+            <a:endParaRPr lang="ja-JP" altLang="en-US"/>
           </a:p>
           <a:p>
             <a:pPr lvl="3"/>
@@ -3695,6 +2765,7 @@
               <a:rPr lang="ja-JP" altLang="en-US"/>
               <a:t>レベル</a:t>
             </a:r>
+            <a:endParaRPr lang="ja-JP" altLang="en-US"/>
           </a:p>
           <a:p>
             <a:pPr lvl="4"/>
@@ -3716,13 +2787,7 @@
       </p:sp>
       <p:sp>
         <p:nvSpPr>
-          <p:cNvPr id="4" name="日付プレースホルダー 3">
-            <a:extLst>
-              <a:ext uri="{FF2B5EF4-FFF2-40B4-BE49-F238E27FC236}">
-                <a16:creationId xmlns:a16="http://schemas.microsoft.com/office/drawing/2014/main" id="{F1AEC522-B537-4352-A9E4-979B8921483C}"/>
-              </a:ext>
-            </a:extLst>
-          </p:cNvPr>
+          <p:cNvPr id="4" name="日付プレースホルダー 3"/>
           <p:cNvSpPr>
             <a:spLocks noGrp="1"/>
           </p:cNvSpPr>
@@ -3755,7 +2820,6 @@
           <a:p>
             <a:fld id="{C429C7FD-4840-466D-B162-85B963FBD148}" type="datetimeFigureOut">
               <a:rPr lang="en-US" smtClean="0"/>
-              <a:t>3/10/2023</a:t>
             </a:fld>
             <a:endParaRPr lang="en-US"/>
           </a:p>
@@ -3763,13 +2827,7 @@
       </p:sp>
       <p:sp>
         <p:nvSpPr>
-          <p:cNvPr id="5" name="フッター プレースホルダー 4">
-            <a:extLst>
-              <a:ext uri="{FF2B5EF4-FFF2-40B4-BE49-F238E27FC236}">
-                <a16:creationId xmlns:a16="http://schemas.microsoft.com/office/drawing/2014/main" id="{5CEC1CED-4C55-4F31-838B-7178AFA8426B}"/>
-              </a:ext>
-            </a:extLst>
-          </p:cNvPr>
+          <p:cNvPr id="5" name="フッター プレースホルダー 4"/>
           <p:cNvSpPr>
             <a:spLocks noGrp="1"/>
           </p:cNvSpPr>
@@ -3806,13 +2864,7 @@
       </p:sp>
       <p:sp>
         <p:nvSpPr>
-          <p:cNvPr id="6" name="スライド番号プレースホルダー 5">
-            <a:extLst>
-              <a:ext uri="{FF2B5EF4-FFF2-40B4-BE49-F238E27FC236}">
-                <a16:creationId xmlns:a16="http://schemas.microsoft.com/office/drawing/2014/main" id="{E35282FD-6BAC-4C86-B0A2-379CF88D0C99}"/>
-              </a:ext>
-            </a:extLst>
-          </p:cNvPr>
+          <p:cNvPr id="6" name="スライド番号プレースホルダー 5"/>
           <p:cNvSpPr>
             <a:spLocks noGrp="1"/>
           </p:cNvSpPr>
@@ -3845,18 +2897,12 @@
           <a:p>
             <a:fld id="{562F1399-25CD-466E-94DA-A7F7087E3954}" type="slidenum">
               <a:rPr lang="en-US" smtClean="0"/>
-              <a:t>‹#›</a:t>
             </a:fld>
             <a:endParaRPr lang="en-US"/>
           </a:p>
         </p:txBody>
       </p:sp>
     </p:spTree>
-    <p:extLst>
-      <p:ext uri="{BB962C8B-B14F-4D97-AF65-F5344CB8AC3E}">
-        <p14:creationId xmlns:p14="http://schemas.microsoft.com/office/powerpoint/2010/main" val="301216249"/>
-      </p:ext>
-    </p:extLst>
   </p:cSld>
   <p:clrMap bg1="lt1" tx1="dk1" bg2="lt2" tx2="dk2" accent1="accent1" accent2="accent2" accent3="accent3" accent4="accent4" accent5="accent5" accent6="accent6" hlink="hlink" folHlink="folHlink"/>
   <p:sldLayoutIdLst>
@@ -3900,7 +2946,7 @@
         <a:spcBef>
           <a:spcPts val="1000"/>
         </a:spcBef>
-        <a:buFont typeface="Arial" panose="020B0604020202020204" pitchFamily="34" charset="0"/>
+        <a:buFont typeface="Arial" panose="020B0604020202090204" pitchFamily="34" charset="0"/>
         <a:buChar char="•"/>
         <a:defRPr sz="2800" kern="1200">
           <a:solidFill>
@@ -3918,7 +2964,7 @@
         <a:spcBef>
           <a:spcPts val="500"/>
         </a:spcBef>
-        <a:buFont typeface="Arial" panose="020B0604020202020204" pitchFamily="34" charset="0"/>
+        <a:buFont typeface="Arial" panose="020B0604020202090204" pitchFamily="34" charset="0"/>
         <a:buChar char="•"/>
         <a:defRPr sz="2400" kern="1200">
           <a:solidFill>
@@ -3936,7 +2982,7 @@
         <a:spcBef>
           <a:spcPts val="500"/>
         </a:spcBef>
-        <a:buFont typeface="Arial" panose="020B0604020202020204" pitchFamily="34" charset="0"/>
+        <a:buFont typeface="Arial" panose="020B0604020202090204" pitchFamily="34" charset="0"/>
         <a:buChar char="•"/>
         <a:defRPr sz="2000" kern="1200">
           <a:solidFill>
@@ -3954,7 +3000,7 @@
         <a:spcBef>
           <a:spcPts val="500"/>
         </a:spcBef>
-        <a:buFont typeface="Arial" panose="020B0604020202020204" pitchFamily="34" charset="0"/>
+        <a:buFont typeface="Arial" panose="020B0604020202090204" pitchFamily="34" charset="0"/>
         <a:buChar char="•"/>
         <a:defRPr sz="1800" kern="1200">
           <a:solidFill>
@@ -3972,7 +3018,7 @@
         <a:spcBef>
           <a:spcPts val="500"/>
         </a:spcBef>
-        <a:buFont typeface="Arial" panose="020B0604020202020204" pitchFamily="34" charset="0"/>
+        <a:buFont typeface="Arial" panose="020B0604020202090204" pitchFamily="34" charset="0"/>
         <a:buChar char="•"/>
         <a:defRPr sz="1800" kern="1200">
           <a:solidFill>
@@ -3990,7 +3036,7 @@
         <a:spcBef>
           <a:spcPts val="500"/>
         </a:spcBef>
-        <a:buFont typeface="Arial" panose="020B0604020202020204" pitchFamily="34" charset="0"/>
+        <a:buFont typeface="Arial" panose="020B0604020202090204" pitchFamily="34" charset="0"/>
         <a:buChar char="•"/>
         <a:defRPr sz="1800" kern="1200">
           <a:solidFill>
@@ -4008,7 +3054,7 @@
         <a:spcBef>
           <a:spcPts val="500"/>
         </a:spcBef>
-        <a:buFont typeface="Arial" panose="020B0604020202020204" pitchFamily="34" charset="0"/>
+        <a:buFont typeface="Arial" panose="020B0604020202090204" pitchFamily="34" charset="0"/>
         <a:buChar char="•"/>
         <a:defRPr sz="1800" kern="1200">
           <a:solidFill>
@@ -4026,7 +3072,7 @@
         <a:spcBef>
           <a:spcPts val="500"/>
         </a:spcBef>
-        <a:buFont typeface="Arial" panose="020B0604020202020204" pitchFamily="34" charset="0"/>
+        <a:buFont typeface="Arial" panose="020B0604020202090204" pitchFamily="34" charset="0"/>
         <a:buChar char="•"/>
         <a:defRPr sz="1800" kern="1200">
           <a:solidFill>
@@ -4044,7 +3090,7 @@
         <a:spcBef>
           <a:spcPts val="500"/>
         </a:spcBef>
-        <a:buFont typeface="Arial" panose="020B0604020202020204" pitchFamily="34" charset="0"/>
+        <a:buFont typeface="Arial" panose="020B0604020202090204" pitchFamily="34" charset="0"/>
         <a:buChar char="•"/>
         <a:defRPr sz="1800" kern="1200">
           <a:solidFill>
@@ -4174,13 +3220,7 @@
       </p:grpSpPr>
       <p:sp>
         <p:nvSpPr>
-          <p:cNvPr id="2" name="タイトル 1">
-            <a:extLst>
-              <a:ext uri="{FF2B5EF4-FFF2-40B4-BE49-F238E27FC236}">
-                <a16:creationId xmlns:a16="http://schemas.microsoft.com/office/drawing/2014/main" id="{04768DF6-54AD-4ED3-822C-BBF424527595}"/>
-              </a:ext>
-            </a:extLst>
-          </p:cNvPr>
+          <p:cNvPr id="2" name="タイトル 1"/>
           <p:cNvSpPr>
             <a:spLocks noGrp="1"/>
           </p:cNvSpPr>
@@ -4193,19 +3233,17 @@
           <a:bodyPr/>
           <a:lstStyle/>
           <a:p>
-            <a:endParaRPr lang="en-US"/>
-          </a:p>
-        </p:txBody>
-      </p:sp>
-      <p:sp>
-        <p:nvSpPr>
-          <p:cNvPr id="3" name="字幕 2">
-            <a:extLst>
-              <a:ext uri="{FF2B5EF4-FFF2-40B4-BE49-F238E27FC236}">
-                <a16:creationId xmlns:a16="http://schemas.microsoft.com/office/drawing/2014/main" id="{88301737-47A7-403A-8FC0-4EE0C4B59F84}"/>
-              </a:ext>
-            </a:extLst>
-          </p:cNvPr>
+            <a:r>
+              <a:rPr lang="ja-JP" altLang="en-US"/>
+              <a:t>マクロで内容の自動導入</a:t>
+            </a:r>
+            <a:endParaRPr lang="ja-JP" altLang="en-US"/>
+          </a:p>
+        </p:txBody>
+      </p:sp>
+      <p:sp>
+        <p:nvSpPr>
+          <p:cNvPr id="3" name="字幕 2"/>
           <p:cNvSpPr>
             <a:spLocks noGrp="1"/>
           </p:cNvSpPr>
@@ -4223,11 +3261,6 @@
         </p:txBody>
       </p:sp>
     </p:spTree>
-    <p:extLst>
-      <p:ext uri="{BB962C8B-B14F-4D97-AF65-F5344CB8AC3E}">
-        <p14:creationId xmlns:p14="http://schemas.microsoft.com/office/powerpoint/2010/main" val="1644676652"/>
-      </p:ext>
-    </p:extLst>
   </p:cSld>
   <p:clrMapOvr>
     <a:masterClrMapping/>
@@ -4262,13 +3295,7 @@
       </p:grpSpPr>
       <p:sp>
         <p:nvSpPr>
-          <p:cNvPr id="2" name="タイトル 1">
-            <a:extLst>
-              <a:ext uri="{FF2B5EF4-FFF2-40B4-BE49-F238E27FC236}">
-                <a16:creationId xmlns:a16="http://schemas.microsoft.com/office/drawing/2014/main" id="{8175A5B5-2D1B-424E-A90D-FC484F5186A7}"/>
-              </a:ext>
-            </a:extLst>
-          </p:cNvPr>
+          <p:cNvPr id="2" name="タイトル 1"/>
           <p:cNvSpPr>
             <a:spLocks noGrp="1"/>
           </p:cNvSpPr>
@@ -4312,20 +3339,14 @@
       </p:sp>
       <p:pic>
         <p:nvPicPr>
-          <p:cNvPr id="5" name="図 4">
-            <a:extLst>
-              <a:ext uri="{FF2B5EF4-FFF2-40B4-BE49-F238E27FC236}">
-                <a16:creationId xmlns:a16="http://schemas.microsoft.com/office/drawing/2014/main" id="{128FA486-127C-484D-8E05-B3A7863372D8}"/>
-              </a:ext>
-            </a:extLst>
-          </p:cNvPr>
+          <p:cNvPr id="5" name="図 4"/>
           <p:cNvPicPr>
             <a:picLocks noChangeAspect="1"/>
           </p:cNvPicPr>
           <p:nvPr/>
         </p:nvPicPr>
         <p:blipFill>
-          <a:blip r:embed="rId2"/>
+          <a:blip r:embed="rId1"/>
           <a:stretch>
             <a:fillRect/>
           </a:stretch>
@@ -4342,13 +3363,7 @@
       </p:pic>
       <p:sp>
         <p:nvSpPr>
-          <p:cNvPr id="6" name="楕円 5">
-            <a:extLst>
-              <a:ext uri="{FF2B5EF4-FFF2-40B4-BE49-F238E27FC236}">
-                <a16:creationId xmlns:a16="http://schemas.microsoft.com/office/drawing/2014/main" id="{F142C582-FD6F-4726-8A4A-EF337962C55E}"/>
-              </a:ext>
-            </a:extLst>
-          </p:cNvPr>
+          <p:cNvPr id="6" name="楕円 5"/>
           <p:cNvSpPr/>
           <p:nvPr/>
         </p:nvSpPr>
@@ -4394,13 +3409,7 @@
       </p:sp>
       <p:sp>
         <p:nvSpPr>
-          <p:cNvPr id="7" name="楕円 6">
-            <a:extLst>
-              <a:ext uri="{FF2B5EF4-FFF2-40B4-BE49-F238E27FC236}">
-                <a16:creationId xmlns:a16="http://schemas.microsoft.com/office/drawing/2014/main" id="{3537370C-EDD3-4086-AD6D-8B115CF52AAE}"/>
-              </a:ext>
-            </a:extLst>
-          </p:cNvPr>
+          <p:cNvPr id="7" name="楕円 6"/>
           <p:cNvSpPr/>
           <p:nvPr/>
         </p:nvSpPr>
@@ -4446,13 +3455,7 @@
       </p:sp>
       <p:sp>
         <p:nvSpPr>
-          <p:cNvPr id="8" name="テキスト ボックス 7">
-            <a:extLst>
-              <a:ext uri="{FF2B5EF4-FFF2-40B4-BE49-F238E27FC236}">
-                <a16:creationId xmlns:a16="http://schemas.microsoft.com/office/drawing/2014/main" id="{5ADD69C9-9021-4326-849E-4A5F05BEBEE3}"/>
-              </a:ext>
-            </a:extLst>
-          </p:cNvPr>
+          <p:cNvPr id="8" name="テキスト ボックス 7"/>
           <p:cNvSpPr txBox="1"/>
           <p:nvPr/>
         </p:nvSpPr>
@@ -4504,11 +3507,6 @@
         </p:txBody>
       </p:sp>
     </p:spTree>
-    <p:extLst>
-      <p:ext uri="{BB962C8B-B14F-4D97-AF65-F5344CB8AC3E}">
-        <p14:creationId xmlns:p14="http://schemas.microsoft.com/office/powerpoint/2010/main" val="3333023814"/>
-      </p:ext>
-    </p:extLst>
   </p:cSld>
   <p:clrMapOvr>
     <a:masterClrMapping/>
@@ -4543,26 +3541,11 @@
       </p:grpSpPr>
       <p:sp useBgFill="1">
         <p:nvSpPr>
-          <p:cNvPr id="12" name="Rectangle 11">
-            <a:extLst>
-              <a:ext uri="{FF2B5EF4-FFF2-40B4-BE49-F238E27FC236}">
-                <a16:creationId xmlns:a16="http://schemas.microsoft.com/office/drawing/2014/main" id="{53F29798-D584-4792-9B62-3F5F5C36D619}"/>
-              </a:ext>
-              <a:ext uri="{C183D7F6-B498-43B3-948B-1728B52AA6E4}">
-                <adec:decorative xmlns:adec="http://schemas.microsoft.com/office/drawing/2017/decorative" val="1"/>
-              </a:ext>
-            </a:extLst>
-          </p:cNvPr>
+          <p:cNvPr id="12" name="Rectangle 11"/>
           <p:cNvSpPr>
             <a:spLocks noGrp="1" noRot="1" noChangeAspect="1" noMove="1" noResize="1" noEditPoints="1" noAdjustHandles="1" noChangeArrowheads="1" noChangeShapeType="1" noTextEdit="1"/>
           </p:cNvSpPr>
-          <p:nvPr>
-            <p:extLst>
-              <p:ext uri="{386F3935-93C4-4BCD-93E2-E3B085C9AB24}">
-                <p16:designElem xmlns:p16="http://schemas.microsoft.com/office/powerpoint/2015/main" val="1"/>
-              </p:ext>
-            </p:extLst>
-          </p:nvPr>
+          <p:nvPr/>
         </p:nvSpPr>
         <p:spPr>
           <a:xfrm>
@@ -4603,13 +3586,31 @@
       </p:sp>
       <p:pic>
         <p:nvPicPr>
-          <p:cNvPr id="7" name="図 6">
-            <a:extLst>
-              <a:ext uri="{FF2B5EF4-FFF2-40B4-BE49-F238E27FC236}">
-                <a16:creationId xmlns:a16="http://schemas.microsoft.com/office/drawing/2014/main" id="{6CA3FF69-0BD4-4824-82E0-EB0E14D9BEE6}"/>
-              </a:ext>
-            </a:extLst>
-          </p:cNvPr>
+          <p:cNvPr id="7" name="図 6"/>
+          <p:cNvPicPr>
+            <a:picLocks noChangeAspect="1"/>
+          </p:cNvPicPr>
+          <p:nvPr/>
+        </p:nvPicPr>
+        <p:blipFill>
+          <a:blip r:embed="rId1"/>
+          <a:stretch>
+            <a:fillRect/>
+          </a:stretch>
+        </p:blipFill>
+        <p:spPr>
+          <a:xfrm>
+            <a:off x="992188" y="1844675"/>
+            <a:ext cx="7940675" cy="4449763"/>
+          </a:xfrm>
+          <a:prstGeom prst="rect">
+            <a:avLst/>
+          </a:prstGeom>
+        </p:spPr>
+      </p:pic>
+      <p:pic>
+        <p:nvPicPr>
+          <p:cNvPr id="5" name="図 4"/>
           <p:cNvPicPr>
             <a:picLocks noChangeAspect="1"/>
           </p:cNvPicPr>
@@ -4623,53 +3624,17 @@
         </p:blipFill>
         <p:spPr>
           <a:xfrm>
-            <a:off x="992188" y="1844675"/>
-            <a:ext cx="7940675" cy="4449763"/>
+            <a:off x="9316085" y="1844675"/>
+            <a:ext cx="2195513" cy="4449763"/>
           </a:xfrm>
           <a:prstGeom prst="rect">
             <a:avLst/>
           </a:prstGeom>
         </p:spPr>
       </p:pic>
-      <p:pic>
-        <p:nvPicPr>
-          <p:cNvPr id="5" name="図 4">
-            <a:extLst>
-              <a:ext uri="{FF2B5EF4-FFF2-40B4-BE49-F238E27FC236}">
-                <a16:creationId xmlns:a16="http://schemas.microsoft.com/office/drawing/2014/main" id="{B1A4BEA9-53C8-4A0A-8C2D-F0E451358BDA}"/>
-              </a:ext>
-            </a:extLst>
-          </p:cNvPr>
-          <p:cNvPicPr>
-            <a:picLocks noChangeAspect="1"/>
-          </p:cNvPicPr>
-          <p:nvPr/>
-        </p:nvPicPr>
-        <p:blipFill>
-          <a:blip r:embed="rId3"/>
-          <a:stretch>
-            <a:fillRect/>
-          </a:stretch>
-        </p:blipFill>
-        <p:spPr>
-          <a:xfrm>
-            <a:off x="9316085" y="1844675"/>
-            <a:ext cx="2195513" cy="4449763"/>
-          </a:xfrm>
-          <a:prstGeom prst="rect">
-            <a:avLst/>
-          </a:prstGeom>
-        </p:spPr>
-      </p:pic>
-      <p:sp>
-        <p:nvSpPr>
-          <p:cNvPr id="2" name="タイトル 1">
-            <a:extLst>
-              <a:ext uri="{FF2B5EF4-FFF2-40B4-BE49-F238E27FC236}">
-                <a16:creationId xmlns:a16="http://schemas.microsoft.com/office/drawing/2014/main" id="{5FACD546-C216-41C9-88D8-CA65F5809040}"/>
-              </a:ext>
-            </a:extLst>
-          </p:cNvPr>
+      <p:sp>
+        <p:nvSpPr>
+          <p:cNvPr id="2" name="タイトル 1"/>
           <p:cNvSpPr>
             <a:spLocks noGrp="1"/>
           </p:cNvSpPr>
@@ -4713,13 +3678,7 @@
       </p:sp>
       <p:sp>
         <p:nvSpPr>
-          <p:cNvPr id="8" name="楕円 7">
-            <a:extLst>
-              <a:ext uri="{FF2B5EF4-FFF2-40B4-BE49-F238E27FC236}">
-                <a16:creationId xmlns:a16="http://schemas.microsoft.com/office/drawing/2014/main" id="{CDBF0989-D0FF-4E81-94FE-6F660866795E}"/>
-              </a:ext>
-            </a:extLst>
-          </p:cNvPr>
+          <p:cNvPr id="8" name="楕円 7"/>
           <p:cNvSpPr/>
           <p:nvPr/>
         </p:nvSpPr>
@@ -4765,13 +3724,7 @@
       </p:sp>
       <p:sp>
         <p:nvSpPr>
-          <p:cNvPr id="10" name="楕円 9">
-            <a:extLst>
-              <a:ext uri="{FF2B5EF4-FFF2-40B4-BE49-F238E27FC236}">
-                <a16:creationId xmlns:a16="http://schemas.microsoft.com/office/drawing/2014/main" id="{CE84EC4F-97A4-4A32-9CFA-301AA80C13A3}"/>
-              </a:ext>
-            </a:extLst>
-          </p:cNvPr>
+          <p:cNvPr id="10" name="楕円 9"/>
           <p:cNvSpPr/>
           <p:nvPr/>
         </p:nvSpPr>
@@ -4817,13 +3770,7 @@
       </p:sp>
       <p:sp>
         <p:nvSpPr>
-          <p:cNvPr id="9" name="テキスト ボックス 8">
-            <a:extLst>
-              <a:ext uri="{FF2B5EF4-FFF2-40B4-BE49-F238E27FC236}">
-                <a16:creationId xmlns:a16="http://schemas.microsoft.com/office/drawing/2014/main" id="{62062489-82F8-45E4-B377-58FD4F6E2BC3}"/>
-              </a:ext>
-            </a:extLst>
-          </p:cNvPr>
+          <p:cNvPr id="9" name="テキスト ボックス 8"/>
           <p:cNvSpPr txBox="1"/>
           <p:nvPr/>
         </p:nvSpPr>
@@ -4852,11 +3799,6 @@
         </p:txBody>
       </p:sp>
     </p:spTree>
-    <p:extLst>
-      <p:ext uri="{BB962C8B-B14F-4D97-AF65-F5344CB8AC3E}">
-        <p14:creationId xmlns:p14="http://schemas.microsoft.com/office/powerpoint/2010/main" val="1293958736"/>
-      </p:ext>
-    </p:extLst>
   </p:cSld>
   <p:clrMapOvr>
     <a:masterClrMapping/>
@@ -4883,13 +3825,7 @@
       </p:grpSpPr>
       <p:sp>
         <p:nvSpPr>
-          <p:cNvPr id="2" name="タイトル 1">
-            <a:extLst>
-              <a:ext uri="{FF2B5EF4-FFF2-40B4-BE49-F238E27FC236}">
-                <a16:creationId xmlns:a16="http://schemas.microsoft.com/office/drawing/2014/main" id="{BDB3FBA0-6FF7-46F5-B744-AF9246DF6A71}"/>
-              </a:ext>
-            </a:extLst>
-          </p:cNvPr>
+          <p:cNvPr id="2" name="タイトル 1"/>
           <p:cNvSpPr>
             <a:spLocks noGrp="1"/>
           </p:cNvSpPr>
@@ -4924,13 +3860,7 @@
       </p:sp>
       <p:pic>
         <p:nvPicPr>
-          <p:cNvPr id="5" name="コンテンツ プレースホルダー 4">
-            <a:extLst>
-              <a:ext uri="{FF2B5EF4-FFF2-40B4-BE49-F238E27FC236}">
-                <a16:creationId xmlns:a16="http://schemas.microsoft.com/office/drawing/2014/main" id="{89C02054-425D-4DA7-BBC7-5AB5759E0A65}"/>
-              </a:ext>
-            </a:extLst>
-          </p:cNvPr>
+          <p:cNvPr id="5" name="コンテンツ プレースホルダー 4"/>
           <p:cNvPicPr>
             <a:picLocks noGrp="1" noChangeAspect="1"/>
           </p:cNvPicPr>
@@ -4939,7 +3869,7 @@
           </p:nvPr>
         </p:nvPicPr>
         <p:blipFill>
-          <a:blip r:embed="rId2"/>
+          <a:blip r:embed="rId1"/>
           <a:stretch>
             <a:fillRect/>
           </a:stretch>
@@ -4953,13 +3883,7 @@
       </p:pic>
       <p:sp>
         <p:nvSpPr>
-          <p:cNvPr id="8" name="楕円 7">
-            <a:extLst>
-              <a:ext uri="{FF2B5EF4-FFF2-40B4-BE49-F238E27FC236}">
-                <a16:creationId xmlns:a16="http://schemas.microsoft.com/office/drawing/2014/main" id="{A15964CB-9326-4F42-A140-08DC081C41A6}"/>
-              </a:ext>
-            </a:extLst>
-          </p:cNvPr>
+          <p:cNvPr id="8" name="楕円 7"/>
           <p:cNvSpPr/>
           <p:nvPr/>
         </p:nvSpPr>
@@ -5005,13 +3929,7 @@
       </p:sp>
       <p:sp>
         <p:nvSpPr>
-          <p:cNvPr id="9" name="楕円 8">
-            <a:extLst>
-              <a:ext uri="{FF2B5EF4-FFF2-40B4-BE49-F238E27FC236}">
-                <a16:creationId xmlns:a16="http://schemas.microsoft.com/office/drawing/2014/main" id="{25E4311A-4D69-43C2-8DE7-447A2558A8AA}"/>
-              </a:ext>
-            </a:extLst>
-          </p:cNvPr>
+          <p:cNvPr id="9" name="楕円 8"/>
           <p:cNvSpPr/>
           <p:nvPr/>
         </p:nvSpPr>
@@ -5057,13 +3975,7 @@
       </p:sp>
       <p:sp>
         <p:nvSpPr>
-          <p:cNvPr id="13" name="テキスト ボックス 12">
-            <a:extLst>
-              <a:ext uri="{FF2B5EF4-FFF2-40B4-BE49-F238E27FC236}">
-                <a16:creationId xmlns:a16="http://schemas.microsoft.com/office/drawing/2014/main" id="{32472F53-C7ED-4DCE-B193-701CA2780A00}"/>
-              </a:ext>
-            </a:extLst>
-          </p:cNvPr>
+          <p:cNvPr id="13" name="テキスト ボックス 12"/>
           <p:cNvSpPr txBox="1"/>
           <p:nvPr/>
         </p:nvSpPr>
@@ -5092,11 +4004,6 @@
         </p:txBody>
       </p:sp>
     </p:spTree>
-    <p:extLst>
-      <p:ext uri="{BB962C8B-B14F-4D97-AF65-F5344CB8AC3E}">
-        <p14:creationId xmlns:p14="http://schemas.microsoft.com/office/powerpoint/2010/main" val="3540601475"/>
-      </p:ext>
-    </p:extLst>
   </p:cSld>
   <p:clrMapOvr>
     <a:masterClrMapping/>
@@ -5131,26 +4038,11 @@
       </p:grpSpPr>
       <p:sp useBgFill="1">
         <p:nvSpPr>
-          <p:cNvPr id="10" name="Rectangle 9">
-            <a:extLst>
-              <a:ext uri="{FF2B5EF4-FFF2-40B4-BE49-F238E27FC236}">
-                <a16:creationId xmlns:a16="http://schemas.microsoft.com/office/drawing/2014/main" id="{53F29798-D584-4792-9B62-3F5F5C36D619}"/>
-              </a:ext>
-              <a:ext uri="{C183D7F6-B498-43B3-948B-1728B52AA6E4}">
-                <adec:decorative xmlns:adec="http://schemas.microsoft.com/office/drawing/2017/decorative" val="1"/>
-              </a:ext>
-            </a:extLst>
-          </p:cNvPr>
+          <p:cNvPr id="10" name="Rectangle 9"/>
           <p:cNvSpPr>
             <a:spLocks noGrp="1" noRot="1" noChangeAspect="1" noMove="1" noResize="1" noEditPoints="1" noAdjustHandles="1" noChangeArrowheads="1" noChangeShapeType="1" noTextEdit="1"/>
           </p:cNvSpPr>
-          <p:nvPr>
-            <p:extLst>
-              <p:ext uri="{386F3935-93C4-4BCD-93E2-E3B085C9AB24}">
-                <p16:designElem xmlns:p16="http://schemas.microsoft.com/office/powerpoint/2015/main" val="1"/>
-              </p:ext>
-            </p:extLst>
-          </p:nvPr>
+          <p:nvPr/>
         </p:nvSpPr>
         <p:spPr>
           <a:xfrm>
@@ -5191,13 +4083,7 @@
       </p:sp>
       <p:sp>
         <p:nvSpPr>
-          <p:cNvPr id="2" name="タイトル 1">
-            <a:extLst>
-              <a:ext uri="{FF2B5EF4-FFF2-40B4-BE49-F238E27FC236}">
-                <a16:creationId xmlns:a16="http://schemas.microsoft.com/office/drawing/2014/main" id="{3AE3A651-D09E-4E60-BE91-37CA9FDFDBF6}"/>
-              </a:ext>
-            </a:extLst>
-          </p:cNvPr>
+          <p:cNvPr id="2" name="タイトル 1"/>
           <p:cNvSpPr>
             <a:spLocks noGrp="1"/>
           </p:cNvSpPr>
@@ -5241,20 +4127,14 @@
       </p:sp>
       <p:pic>
         <p:nvPicPr>
-          <p:cNvPr id="5" name="図 4">
-            <a:extLst>
-              <a:ext uri="{FF2B5EF4-FFF2-40B4-BE49-F238E27FC236}">
-                <a16:creationId xmlns:a16="http://schemas.microsoft.com/office/drawing/2014/main" id="{BAB6FFED-A15C-4E76-840D-8A7724EC5FCB}"/>
-              </a:ext>
-            </a:extLst>
-          </p:cNvPr>
+          <p:cNvPr id="5" name="図 4"/>
           <p:cNvPicPr>
             <a:picLocks noChangeAspect="1"/>
           </p:cNvPicPr>
           <p:nvPr/>
         </p:nvPicPr>
         <p:blipFill>
-          <a:blip r:embed="rId2"/>
+          <a:blip r:embed="rId1"/>
           <a:stretch>
             <a:fillRect/>
           </a:stretch>
@@ -5271,13 +4151,7 @@
       </p:pic>
       <p:sp>
         <p:nvSpPr>
-          <p:cNvPr id="7" name="楕円 6">
-            <a:extLst>
-              <a:ext uri="{FF2B5EF4-FFF2-40B4-BE49-F238E27FC236}">
-                <a16:creationId xmlns:a16="http://schemas.microsoft.com/office/drawing/2014/main" id="{8671FC12-4C9A-4546-A325-1C7EC97CA942}"/>
-              </a:ext>
-            </a:extLst>
-          </p:cNvPr>
+          <p:cNvPr id="7" name="楕円 6"/>
           <p:cNvSpPr/>
           <p:nvPr/>
         </p:nvSpPr>
@@ -5323,13 +4197,7 @@
       </p:sp>
       <p:sp>
         <p:nvSpPr>
-          <p:cNvPr id="8" name="テキスト ボックス 7">
-            <a:extLst>
-              <a:ext uri="{FF2B5EF4-FFF2-40B4-BE49-F238E27FC236}">
-                <a16:creationId xmlns:a16="http://schemas.microsoft.com/office/drawing/2014/main" id="{220C912A-832C-4FC5-8F5D-A4B39D6D6E49}"/>
-              </a:ext>
-            </a:extLst>
-          </p:cNvPr>
+          <p:cNvPr id="8" name="テキスト ボックス 7"/>
           <p:cNvSpPr txBox="1"/>
           <p:nvPr/>
         </p:nvSpPr>
@@ -5367,13 +4235,7 @@
       </p:sp>
       <p:sp>
         <p:nvSpPr>
-          <p:cNvPr id="9" name="楕円 8">
-            <a:extLst>
-              <a:ext uri="{FF2B5EF4-FFF2-40B4-BE49-F238E27FC236}">
-                <a16:creationId xmlns:a16="http://schemas.microsoft.com/office/drawing/2014/main" id="{85C941FC-84DD-4009-A60E-BAB874C27273}"/>
-              </a:ext>
-            </a:extLst>
-          </p:cNvPr>
+          <p:cNvPr id="9" name="楕円 8"/>
           <p:cNvSpPr/>
           <p:nvPr/>
         </p:nvSpPr>
@@ -5418,11 +4280,6 @@
         </p:txBody>
       </p:sp>
     </p:spTree>
-    <p:extLst>
-      <p:ext uri="{BB962C8B-B14F-4D97-AF65-F5344CB8AC3E}">
-        <p14:creationId xmlns:p14="http://schemas.microsoft.com/office/powerpoint/2010/main" val="1956646578"/>
-      </p:ext>
-    </p:extLst>
   </p:cSld>
   <p:clrMapOvr>
     <a:masterClrMapping/>
@@ -5449,13 +4306,7 @@
       </p:grpSpPr>
       <p:sp>
         <p:nvSpPr>
-          <p:cNvPr id="2" name="タイトル 1">
-            <a:extLst>
-              <a:ext uri="{FF2B5EF4-FFF2-40B4-BE49-F238E27FC236}">
-                <a16:creationId xmlns:a16="http://schemas.microsoft.com/office/drawing/2014/main" id="{BE0FD59F-102D-4494-BFFE-9B6A013878C7}"/>
-              </a:ext>
-            </a:extLst>
-          </p:cNvPr>
+          <p:cNvPr id="2" name="タイトル 1"/>
           <p:cNvSpPr>
             <a:spLocks noGrp="1"/>
           </p:cNvSpPr>
@@ -5478,13 +4329,7 @@
       </p:sp>
       <p:sp>
         <p:nvSpPr>
-          <p:cNvPr id="3" name="コンテンツ プレースホルダー 2">
-            <a:extLst>
-              <a:ext uri="{FF2B5EF4-FFF2-40B4-BE49-F238E27FC236}">
-                <a16:creationId xmlns:a16="http://schemas.microsoft.com/office/drawing/2014/main" id="{2F1614E6-095F-4F14-A775-BFABBC6B2778}"/>
-              </a:ext>
-            </a:extLst>
-          </p:cNvPr>
+          <p:cNvPr id="3" name="コンテンツ プレースホルダー 2"/>
           <p:cNvSpPr>
             <a:spLocks noGrp="1"/>
           </p:cNvSpPr>
@@ -5537,11 +4382,6 @@
         </p:txBody>
       </p:sp>
     </p:spTree>
-    <p:extLst>
-      <p:ext uri="{BB962C8B-B14F-4D97-AF65-F5344CB8AC3E}">
-        <p14:creationId xmlns:p14="http://schemas.microsoft.com/office/powerpoint/2010/main" val="476808250"/>
-      </p:ext>
-    </p:extLst>
   </p:cSld>
   <p:clrMapOvr>
     <a:masterClrMapping/>
@@ -5576,26 +4416,11 @@
       </p:grpSpPr>
       <p:sp useBgFill="1">
         <p:nvSpPr>
-          <p:cNvPr id="16" name="Rectangle 15">
-            <a:extLst>
-              <a:ext uri="{FF2B5EF4-FFF2-40B4-BE49-F238E27FC236}">
-                <a16:creationId xmlns:a16="http://schemas.microsoft.com/office/drawing/2014/main" id="{8761DDFE-071F-4200-B0AA-394476C2D2D6}"/>
-              </a:ext>
-              <a:ext uri="{C183D7F6-B498-43B3-948B-1728B52AA6E4}">
-                <adec:decorative xmlns:adec="http://schemas.microsoft.com/office/drawing/2017/decorative" val="1"/>
-              </a:ext>
-            </a:extLst>
-          </p:cNvPr>
+          <p:cNvPr id="16" name="Rectangle 15"/>
           <p:cNvSpPr>
             <a:spLocks noGrp="1" noRot="1" noChangeAspect="1" noMove="1" noResize="1" noEditPoints="1" noAdjustHandles="1" noChangeArrowheads="1" noChangeShapeType="1" noTextEdit="1"/>
           </p:cNvSpPr>
-          <p:nvPr>
-            <p:extLst>
-              <p:ext uri="{386F3935-93C4-4BCD-93E2-E3B085C9AB24}">
-                <p16:designElem xmlns:p16="http://schemas.microsoft.com/office/powerpoint/2015/main" val="1"/>
-              </p:ext>
-            </p:extLst>
-          </p:nvPr>
+          <p:nvPr/>
         </p:nvSpPr>
         <p:spPr>
           <a:xfrm>
@@ -5636,13 +4461,7 @@
       </p:sp>
       <p:sp>
         <p:nvSpPr>
-          <p:cNvPr id="2" name="タイトル 1">
-            <a:extLst>
-              <a:ext uri="{FF2B5EF4-FFF2-40B4-BE49-F238E27FC236}">
-                <a16:creationId xmlns:a16="http://schemas.microsoft.com/office/drawing/2014/main" id="{CF8CFA9E-7F97-4448-9258-36CDCACE5A74}"/>
-              </a:ext>
-            </a:extLst>
-          </p:cNvPr>
+          <p:cNvPr id="2" name="タイトル 1"/>
           <p:cNvSpPr>
             <a:spLocks noGrp="1"/>
           </p:cNvSpPr>
@@ -5672,13 +4491,7 @@
       </p:sp>
       <p:sp>
         <p:nvSpPr>
-          <p:cNvPr id="4" name="テキスト ボックス 3">
-            <a:extLst>
-              <a:ext uri="{FF2B5EF4-FFF2-40B4-BE49-F238E27FC236}">
-                <a16:creationId xmlns:a16="http://schemas.microsoft.com/office/drawing/2014/main" id="{3E626425-A0B0-4ABC-9FD9-793B990FB893}"/>
-              </a:ext>
-            </a:extLst>
-          </p:cNvPr>
+          <p:cNvPr id="4" name="テキスト ボックス 3"/>
           <p:cNvSpPr txBox="1"/>
           <p:nvPr/>
         </p:nvSpPr>
@@ -5704,7 +4517,7 @@
               <a:spcAft>
                 <a:spcPts val="600"/>
               </a:spcAft>
-              <a:buFont typeface="Arial" panose="020B0604020202020204" pitchFamily="34" charset="0"/>
+              <a:buFont typeface="Arial" panose="020B0604020202090204" pitchFamily="34" charset="0"/>
               <a:buChar char="•"/>
             </a:pPr>
             <a:r>
@@ -5729,7 +4542,7 @@
               <a:spcAft>
                 <a:spcPts val="600"/>
               </a:spcAft>
-              <a:buFont typeface="Arial" panose="020B0604020202020204" pitchFamily="34" charset="0"/>
+              <a:buFont typeface="Arial" panose="020B0604020202090204" pitchFamily="34" charset="0"/>
               <a:buChar char="•"/>
             </a:pPr>
             <a:r>
@@ -5746,7 +4559,7 @@
               <a:spcAft>
                 <a:spcPts val="600"/>
               </a:spcAft>
-              <a:buFont typeface="Arial" panose="020B0604020202020204" pitchFamily="34" charset="0"/>
+              <a:buFont typeface="Arial" panose="020B0604020202090204" pitchFamily="34" charset="0"/>
               <a:buChar char="•"/>
             </a:pPr>
             <a:r>
@@ -5770,13 +4583,31 @@
       </p:sp>
       <p:pic>
         <p:nvPicPr>
-          <p:cNvPr id="6" name="図 5">
-            <a:extLst>
-              <a:ext uri="{FF2B5EF4-FFF2-40B4-BE49-F238E27FC236}">
-                <a16:creationId xmlns:a16="http://schemas.microsoft.com/office/drawing/2014/main" id="{E8517F83-D289-47FC-85B4-23DDC2331974}"/>
-              </a:ext>
-            </a:extLst>
-          </p:cNvPr>
+          <p:cNvPr id="6" name="図 5"/>
+          <p:cNvPicPr>
+            <a:picLocks noChangeAspect="1"/>
+          </p:cNvPicPr>
+          <p:nvPr/>
+        </p:nvPicPr>
+        <p:blipFill>
+          <a:blip r:embed="rId1"/>
+          <a:stretch>
+            <a:fillRect/>
+          </a:stretch>
+        </p:blipFill>
+        <p:spPr>
+          <a:xfrm>
+            <a:off x="838198" y="2540031"/>
+            <a:ext cx="5167185" cy="3474932"/>
+          </a:xfrm>
+          <a:prstGeom prst="rect">
+            <a:avLst/>
+          </a:prstGeom>
+        </p:spPr>
+      </p:pic>
+      <p:pic>
+        <p:nvPicPr>
+          <p:cNvPr id="8" name="図 7"/>
           <p:cNvPicPr>
             <a:picLocks noChangeAspect="1"/>
           </p:cNvPicPr>
@@ -5790,50 +4621,15 @@
         </p:blipFill>
         <p:spPr>
           <a:xfrm>
-            <a:off x="838198" y="2540031"/>
-            <a:ext cx="5167185" cy="3474932"/>
+            <a:off x="6198394" y="2882357"/>
+            <a:ext cx="5167185" cy="2790279"/>
           </a:xfrm>
           <a:prstGeom prst="rect">
             <a:avLst/>
           </a:prstGeom>
         </p:spPr>
       </p:pic>
-      <p:pic>
-        <p:nvPicPr>
-          <p:cNvPr id="8" name="図 7">
-            <a:extLst>
-              <a:ext uri="{FF2B5EF4-FFF2-40B4-BE49-F238E27FC236}">
-                <a16:creationId xmlns:a16="http://schemas.microsoft.com/office/drawing/2014/main" id="{CCC3382F-5FDA-4F31-9824-92E54930F3D1}"/>
-              </a:ext>
-            </a:extLst>
-          </p:cNvPr>
-          <p:cNvPicPr>
-            <a:picLocks noChangeAspect="1"/>
-          </p:cNvPicPr>
-          <p:nvPr/>
-        </p:nvPicPr>
-        <p:blipFill>
-          <a:blip r:embed="rId3"/>
-          <a:stretch>
-            <a:fillRect/>
-          </a:stretch>
-        </p:blipFill>
-        <p:spPr>
-          <a:xfrm>
-            <a:off x="6198394" y="2882357"/>
-            <a:ext cx="5167185" cy="2790279"/>
-          </a:xfrm>
-          <a:prstGeom prst="rect">
-            <a:avLst/>
-          </a:prstGeom>
-        </p:spPr>
-      </p:pic>
     </p:spTree>
-    <p:extLst>
-      <p:ext uri="{BB962C8B-B14F-4D97-AF65-F5344CB8AC3E}">
-        <p14:creationId xmlns:p14="http://schemas.microsoft.com/office/powerpoint/2010/main" val="3211759108"/>
-      </p:ext>
-    </p:extLst>
   </p:cSld>
   <p:clrMapOvr>
     <a:masterClrMapping/>
@@ -5860,13 +4656,7 @@
       </p:grpSpPr>
       <p:sp>
         <p:nvSpPr>
-          <p:cNvPr id="2" name="タイトル 1">
-            <a:extLst>
-              <a:ext uri="{FF2B5EF4-FFF2-40B4-BE49-F238E27FC236}">
-                <a16:creationId xmlns:a16="http://schemas.microsoft.com/office/drawing/2014/main" id="{4FFA956C-B45A-4D1A-A1FA-51AB0C001431}"/>
-              </a:ext>
-            </a:extLst>
-          </p:cNvPr>
+          <p:cNvPr id="2" name="タイトル 1"/>
           <p:cNvSpPr>
             <a:spLocks noGrp="1"/>
           </p:cNvSpPr>
@@ -5889,20 +4679,14 @@
       </p:sp>
       <p:pic>
         <p:nvPicPr>
-          <p:cNvPr id="5" name="図 4">
-            <a:extLst>
-              <a:ext uri="{FF2B5EF4-FFF2-40B4-BE49-F238E27FC236}">
-                <a16:creationId xmlns:a16="http://schemas.microsoft.com/office/drawing/2014/main" id="{5B4C11BB-D5E4-4AAB-9032-D4D2A739A47B}"/>
-              </a:ext>
-            </a:extLst>
-          </p:cNvPr>
+          <p:cNvPr id="5" name="図 4"/>
           <p:cNvPicPr>
             <a:picLocks noChangeAspect="1"/>
           </p:cNvPicPr>
           <p:nvPr/>
         </p:nvPicPr>
         <p:blipFill>
-          <a:blip r:embed="rId2"/>
+          <a:blip r:embed="rId1"/>
           <a:stretch>
             <a:fillRect/>
           </a:stretch>
@@ -5919,13 +4703,7 @@
       </p:pic>
       <p:sp>
         <p:nvSpPr>
-          <p:cNvPr id="6" name="テキスト ボックス 5">
-            <a:extLst>
-              <a:ext uri="{FF2B5EF4-FFF2-40B4-BE49-F238E27FC236}">
-                <a16:creationId xmlns:a16="http://schemas.microsoft.com/office/drawing/2014/main" id="{ED8CEE93-5060-4155-B641-442B6EFC44F2}"/>
-              </a:ext>
-            </a:extLst>
-          </p:cNvPr>
+          <p:cNvPr id="6" name="テキスト ボックス 5"/>
           <p:cNvSpPr txBox="1"/>
           <p:nvPr/>
         </p:nvSpPr>
@@ -5954,11 +4732,6 @@
         </p:txBody>
       </p:sp>
     </p:spTree>
-    <p:extLst>
-      <p:ext uri="{BB962C8B-B14F-4D97-AF65-F5344CB8AC3E}">
-        <p14:creationId xmlns:p14="http://schemas.microsoft.com/office/powerpoint/2010/main" val="1450099695"/>
-      </p:ext>
-    </p:extLst>
   </p:cSld>
   <p:clrMapOvr>
     <a:masterClrMapping/>
@@ -5993,26 +4766,11 @@
       </p:grpSpPr>
       <p:sp useBgFill="1">
         <p:nvSpPr>
-          <p:cNvPr id="10" name="Rectangle 9">
-            <a:extLst>
-              <a:ext uri="{FF2B5EF4-FFF2-40B4-BE49-F238E27FC236}">
-                <a16:creationId xmlns:a16="http://schemas.microsoft.com/office/drawing/2014/main" id="{53F29798-D584-4792-9B62-3F5F5C36D619}"/>
-              </a:ext>
-              <a:ext uri="{C183D7F6-B498-43B3-948B-1728B52AA6E4}">
-                <adec:decorative xmlns:adec="http://schemas.microsoft.com/office/drawing/2017/decorative" val="1"/>
-              </a:ext>
-            </a:extLst>
-          </p:cNvPr>
+          <p:cNvPr id="10" name="Rectangle 9"/>
           <p:cNvSpPr>
             <a:spLocks noGrp="1" noRot="1" noChangeAspect="1" noMove="1" noResize="1" noEditPoints="1" noAdjustHandles="1" noChangeArrowheads="1" noChangeShapeType="1" noTextEdit="1"/>
           </p:cNvSpPr>
-          <p:nvPr>
-            <p:extLst>
-              <p:ext uri="{386F3935-93C4-4BCD-93E2-E3B085C9AB24}">
-                <p16:designElem xmlns:p16="http://schemas.microsoft.com/office/powerpoint/2015/main" val="1"/>
-              </p:ext>
-            </p:extLst>
-          </p:nvPr>
+          <p:nvPr/>
         </p:nvSpPr>
         <p:spPr>
           <a:xfrm>
@@ -6053,13 +4811,7 @@
       </p:sp>
       <p:sp>
         <p:nvSpPr>
-          <p:cNvPr id="2" name="タイトル 1">
-            <a:extLst>
-              <a:ext uri="{FF2B5EF4-FFF2-40B4-BE49-F238E27FC236}">
-                <a16:creationId xmlns:a16="http://schemas.microsoft.com/office/drawing/2014/main" id="{EAF8332B-399C-41E6-8BBE-377844554F0E}"/>
-              </a:ext>
-            </a:extLst>
-          </p:cNvPr>
+          <p:cNvPr id="2" name="タイトル 1"/>
           <p:cNvSpPr>
             <a:spLocks noGrp="1"/>
           </p:cNvSpPr>
@@ -6103,20 +4855,14 @@
       </p:sp>
       <p:pic>
         <p:nvPicPr>
-          <p:cNvPr id="5" name="図 4">
-            <a:extLst>
-              <a:ext uri="{FF2B5EF4-FFF2-40B4-BE49-F238E27FC236}">
-                <a16:creationId xmlns:a16="http://schemas.microsoft.com/office/drawing/2014/main" id="{97F8336B-12FF-494D-9707-82BA038C18CA}"/>
-              </a:ext>
-            </a:extLst>
-          </p:cNvPr>
+          <p:cNvPr id="5" name="図 4"/>
           <p:cNvPicPr>
             <a:picLocks noChangeAspect="1"/>
           </p:cNvPicPr>
           <p:nvPr/>
         </p:nvPicPr>
         <p:blipFill>
-          <a:blip r:embed="rId2"/>
+          <a:blip r:embed="rId1"/>
           <a:stretch>
             <a:fillRect/>
           </a:stretch>
@@ -6133,13 +4879,7 @@
       </p:pic>
       <p:sp>
         <p:nvSpPr>
-          <p:cNvPr id="7" name="楕円 6">
-            <a:extLst>
-              <a:ext uri="{FF2B5EF4-FFF2-40B4-BE49-F238E27FC236}">
-                <a16:creationId xmlns:a16="http://schemas.microsoft.com/office/drawing/2014/main" id="{F781CE32-0CA9-48C0-A20F-FB5104F394FA}"/>
-              </a:ext>
-            </a:extLst>
-          </p:cNvPr>
+          <p:cNvPr id="7" name="楕円 6"/>
           <p:cNvSpPr/>
           <p:nvPr/>
         </p:nvSpPr>
@@ -6185,13 +4925,7 @@
       </p:sp>
       <p:sp>
         <p:nvSpPr>
-          <p:cNvPr id="8" name="楕円 7">
-            <a:extLst>
-              <a:ext uri="{FF2B5EF4-FFF2-40B4-BE49-F238E27FC236}">
-                <a16:creationId xmlns:a16="http://schemas.microsoft.com/office/drawing/2014/main" id="{F15105AA-3BE2-4A2E-95F8-F0B4B59AA57A}"/>
-              </a:ext>
-            </a:extLst>
-          </p:cNvPr>
+          <p:cNvPr id="8" name="楕円 7"/>
           <p:cNvSpPr/>
           <p:nvPr/>
         </p:nvSpPr>
@@ -6237,13 +4971,7 @@
       </p:sp>
       <p:sp>
         <p:nvSpPr>
-          <p:cNvPr id="9" name="テキスト ボックス 8">
-            <a:extLst>
-              <a:ext uri="{FF2B5EF4-FFF2-40B4-BE49-F238E27FC236}">
-                <a16:creationId xmlns:a16="http://schemas.microsoft.com/office/drawing/2014/main" id="{BC2E8841-4BCD-49DE-9FC8-E6D5E7CAFA51}"/>
-              </a:ext>
-            </a:extLst>
-          </p:cNvPr>
+          <p:cNvPr id="9" name="テキスト ボックス 8"/>
           <p:cNvSpPr txBox="1"/>
           <p:nvPr/>
         </p:nvSpPr>
@@ -6290,11 +5018,6 @@
         </p:txBody>
       </p:sp>
     </p:spTree>
-    <p:extLst>
-      <p:ext uri="{BB962C8B-B14F-4D97-AF65-F5344CB8AC3E}">
-        <p14:creationId xmlns:p14="http://schemas.microsoft.com/office/powerpoint/2010/main" val="1711992569"/>
-      </p:ext>
-    </p:extLst>
   </p:cSld>
   <p:clrMapOvr>
     <a:masterClrMapping/>
@@ -6329,26 +5052,11 @@
       </p:grpSpPr>
       <p:sp useBgFill="1">
         <p:nvSpPr>
-          <p:cNvPr id="10" name="Rectangle 9">
-            <a:extLst>
-              <a:ext uri="{FF2B5EF4-FFF2-40B4-BE49-F238E27FC236}">
-                <a16:creationId xmlns:a16="http://schemas.microsoft.com/office/drawing/2014/main" id="{53F29798-D584-4792-9B62-3F5F5C36D619}"/>
-              </a:ext>
-              <a:ext uri="{C183D7F6-B498-43B3-948B-1728B52AA6E4}">
-                <adec:decorative xmlns:adec="http://schemas.microsoft.com/office/drawing/2017/decorative" val="1"/>
-              </a:ext>
-            </a:extLst>
-          </p:cNvPr>
+          <p:cNvPr id="10" name="Rectangle 9"/>
           <p:cNvSpPr>
             <a:spLocks noGrp="1" noRot="1" noChangeAspect="1" noMove="1" noResize="1" noEditPoints="1" noAdjustHandles="1" noChangeArrowheads="1" noChangeShapeType="1" noTextEdit="1"/>
           </p:cNvSpPr>
-          <p:nvPr>
-            <p:extLst>
-              <p:ext uri="{386F3935-93C4-4BCD-93E2-E3B085C9AB24}">
-                <p16:designElem xmlns:p16="http://schemas.microsoft.com/office/powerpoint/2015/main" val="1"/>
-              </p:ext>
-            </p:extLst>
-          </p:nvPr>
+          <p:nvPr/>
         </p:nvSpPr>
         <p:spPr>
           <a:xfrm>
@@ -6389,13 +5097,7 @@
       </p:sp>
       <p:sp>
         <p:nvSpPr>
-          <p:cNvPr id="2" name="タイトル 1">
-            <a:extLst>
-              <a:ext uri="{FF2B5EF4-FFF2-40B4-BE49-F238E27FC236}">
-                <a16:creationId xmlns:a16="http://schemas.microsoft.com/office/drawing/2014/main" id="{E924DD03-19D9-4D91-8CB9-26D63FA48565}"/>
-              </a:ext>
-            </a:extLst>
-          </p:cNvPr>
+          <p:cNvPr id="2" name="タイトル 1"/>
           <p:cNvSpPr>
             <a:spLocks noGrp="1"/>
           </p:cNvSpPr>
@@ -6439,20 +5141,14 @@
       </p:sp>
       <p:pic>
         <p:nvPicPr>
-          <p:cNvPr id="5" name="図 4">
-            <a:extLst>
-              <a:ext uri="{FF2B5EF4-FFF2-40B4-BE49-F238E27FC236}">
-                <a16:creationId xmlns:a16="http://schemas.microsoft.com/office/drawing/2014/main" id="{D724F30D-6FA8-487D-B5BD-D6712F341499}"/>
-              </a:ext>
-            </a:extLst>
-          </p:cNvPr>
+          <p:cNvPr id="5" name="図 4"/>
           <p:cNvPicPr>
             <a:picLocks noChangeAspect="1"/>
           </p:cNvPicPr>
           <p:nvPr/>
         </p:nvPicPr>
         <p:blipFill>
-          <a:blip r:embed="rId2"/>
+          <a:blip r:embed="rId1"/>
           <a:stretch>
             <a:fillRect/>
           </a:stretch>
@@ -6469,13 +5165,7 @@
       </p:pic>
       <p:sp>
         <p:nvSpPr>
-          <p:cNvPr id="7" name="楕円 6">
-            <a:extLst>
-              <a:ext uri="{FF2B5EF4-FFF2-40B4-BE49-F238E27FC236}">
-                <a16:creationId xmlns:a16="http://schemas.microsoft.com/office/drawing/2014/main" id="{3A2B2CBB-F7E4-43A3-838B-9EB506A4A9BB}"/>
-              </a:ext>
-            </a:extLst>
-          </p:cNvPr>
+          <p:cNvPr id="7" name="楕円 6"/>
           <p:cNvSpPr/>
           <p:nvPr/>
         </p:nvSpPr>
@@ -6521,13 +5211,7 @@
       </p:sp>
       <p:sp>
         <p:nvSpPr>
-          <p:cNvPr id="8" name="テキスト ボックス 7">
-            <a:extLst>
-              <a:ext uri="{FF2B5EF4-FFF2-40B4-BE49-F238E27FC236}">
-                <a16:creationId xmlns:a16="http://schemas.microsoft.com/office/drawing/2014/main" id="{BFF2FDA9-B4A1-4E04-BBBC-6A2763DADD34}"/>
-              </a:ext>
-            </a:extLst>
-          </p:cNvPr>
+          <p:cNvPr id="8" name="テキスト ボックス 7"/>
           <p:cNvSpPr txBox="1"/>
           <p:nvPr/>
         </p:nvSpPr>
@@ -6564,11 +5248,6 @@
         </p:txBody>
       </p:sp>
     </p:spTree>
-    <p:extLst>
-      <p:ext uri="{BB962C8B-B14F-4D97-AF65-F5344CB8AC3E}">
-        <p14:creationId xmlns:p14="http://schemas.microsoft.com/office/powerpoint/2010/main" val="4263972804"/>
-      </p:ext>
-    </p:extLst>
   </p:cSld>
   <p:clrMapOvr>
     <a:masterClrMapping/>
@@ -6619,7 +5298,7 @@
     </a:clrScheme>
     <a:fontScheme name="Office">
       <a:majorFont>
-        <a:latin typeface="Calibri Light" panose="020F0302020204030204"/>
+        <a:latin typeface="Calibri Light"/>
         <a:ea typeface=""/>
         <a:cs typeface=""/>
         <a:font script="Jpan" typeface="游ゴシック Light"/>
@@ -6652,26 +5331,9 @@
         <a:font script="Viet" typeface="Times New Roman"/>
         <a:font script="Uigh" typeface="Microsoft Uighur"/>
         <a:font script="Geor" typeface="Sylfaen"/>
-        <a:font script="Armn" typeface="Arial"/>
-        <a:font script="Bugi" typeface="Leelawadee UI"/>
-        <a:font script="Bopo" typeface="Microsoft JhengHei"/>
-        <a:font script="Java" typeface="Javanese Text"/>
-        <a:font script="Lisu" typeface="Segoe UI"/>
-        <a:font script="Mymr" typeface="Myanmar Text"/>
-        <a:font script="Nkoo" typeface="Ebrima"/>
-        <a:font script="Olck" typeface="Nirmala UI"/>
-        <a:font script="Osma" typeface="Ebrima"/>
-        <a:font script="Phag" typeface="Phagspa"/>
-        <a:font script="Syrn" typeface="Estrangelo Edessa"/>
-        <a:font script="Syrj" typeface="Estrangelo Edessa"/>
-        <a:font script="Syre" typeface="Estrangelo Edessa"/>
-        <a:font script="Sora" typeface="Nirmala UI"/>
-        <a:font script="Tale" typeface="Microsoft Tai Le"/>
-        <a:font script="Talu" typeface="Microsoft New Tai Lue"/>
-        <a:font script="Tfng" typeface="Ebrima"/>
       </a:majorFont>
       <a:minorFont>
-        <a:latin typeface="Calibri" panose="020F0502020204030204"/>
+        <a:latin typeface="Calibri"/>
         <a:ea typeface=""/>
         <a:cs typeface=""/>
         <a:font script="Jpan" typeface="游ゴシック"/>
@@ -6704,23 +5366,6 @@
         <a:font script="Viet" typeface="Arial"/>
         <a:font script="Uigh" typeface="Microsoft Uighur"/>
         <a:font script="Geor" typeface="Sylfaen"/>
-        <a:font script="Armn" typeface="Arial"/>
-        <a:font script="Bugi" typeface="Leelawadee UI"/>
-        <a:font script="Bopo" typeface="Microsoft JhengHei"/>
-        <a:font script="Java" typeface="Javanese Text"/>
-        <a:font script="Lisu" typeface="Segoe UI"/>
-        <a:font script="Mymr" typeface="Myanmar Text"/>
-        <a:font script="Nkoo" typeface="Ebrima"/>
-        <a:font script="Olck" typeface="Nirmala UI"/>
-        <a:font script="Osma" typeface="Ebrima"/>
-        <a:font script="Phag" typeface="Phagspa"/>
-        <a:font script="Syrn" typeface="Estrangelo Edessa"/>
-        <a:font script="Syrj" typeface="Estrangelo Edessa"/>
-        <a:font script="Syre" typeface="Estrangelo Edessa"/>
-        <a:font script="Sora" typeface="Nirmala UI"/>
-        <a:font script="Tale" typeface="Microsoft Tai Le"/>
-        <a:font script="Talu" typeface="Microsoft New Tai Lue"/>
-        <a:font script="Tfng" typeface="Ebrima"/>
       </a:minorFont>
     </a:fontScheme>
     <a:fmtScheme name="Office">
@@ -6861,8 +5506,6 @@
       </a:bgFillStyleLst>
     </a:fmtScheme>
   </a:themeElements>
-  <a:objectDefaults/>
-  <a:extraClrSchemeLst/>
   <a:extLst>
     <a:ext uri="{05A4C25C-085E-4340-85A3-A5531E510DB2}">
       <thm15:themeFamily xmlns:thm15="http://schemas.microsoft.com/office/thememl/2012/main" name="Office Theme" id="{62F939B6-93AF-4DB8-9C6B-D6C7DFDC589F}" vid="{4A3C46E8-61CC-4603-A589-7422A47A8E4A}"/>
